--- a/backend/uploads/pollution_presentation.pptx
+++ b/backend/uploads/pollution_presentation.pptx
@@ -1696,7 +1696,7 @@
             <a:r>
               <a:rPr lang="en-US" sz="3200" b="1" dirty="0">
                 <a:solidFill>
-                  <a:srgbClr val="1E3A8A"/>
+                  <a:srgbClr val="FFFFFF"/>
                 </a:solidFill>
               </a:rPr>
               <a:t>Pollution: A Global Crisis</a:t>
@@ -1732,10 +1732,10 @@
             <a:r>
               <a:rPr lang="en-US" sz="2400" dirty="0">
                 <a:solidFill>
-                  <a:srgbClr val="1E3A8A"/>
-                </a:solidFill>
-              </a:rPr>
-              <a:t>Pollution is a significant threat to human health and the environment.</a:t>
+                  <a:srgbClr val="FFFFFF"/>
+                </a:solidFill>
+              </a:rPr>
+              <a:t>Pollution degrades our environment and threatens all life.</a:t>
             </a:r>
             <a:endParaRPr lang="en-US" sz="2400" dirty="0"/>
           </a:p>
@@ -1746,10 +1746,10 @@
             <a:r>
               <a:rPr lang="en-US" sz="2400" dirty="0">
                 <a:solidFill>
-                  <a:srgbClr val="1E3A8A"/>
-                </a:solidFill>
-              </a:rPr>
-              <a:t>It contaminates air, water, and soil, affecting ecosystems and biodiversity.</a:t>
+                  <a:srgbClr val="FFFFFF"/>
+                </a:solidFill>
+              </a:rPr>
+              <a:t>Multiple forms, each with unique sources and impacts.</a:t>
             </a:r>
             <a:endParaRPr lang="en-US" sz="2400" dirty="0"/>
           </a:p>
@@ -1760,10 +1760,10 @@
             <a:r>
               <a:rPr lang="en-US" sz="2400" dirty="0">
                 <a:solidFill>
-                  <a:srgbClr val="1E3A8A"/>
-                </a:solidFill>
-              </a:rPr>
-              <a:t>Addressing pollution requires global cooperation and sustainable practices.</a:t>
+                  <a:srgbClr val="FFFFFF"/>
+                </a:solidFill>
+              </a:rPr>
+              <a:t>Urgent action is needed to mitigate its devastating effects.</a:t>
             </a:r>
             <a:endParaRPr lang="en-US" sz="2400" dirty="0"/>
           </a:p>
@@ -1821,10 +1821,10 @@
             <a:r>
               <a:rPr lang="en-US" sz="3200" b="1" dirty="0">
                 <a:solidFill>
-                  <a:srgbClr val="1E3A8A"/>
-                </a:solidFill>
-              </a:rPr>
-              <a:t>Call to Action: Protect Our Planet</a:t>
+                  <a:srgbClr val="FFFFFF"/>
+                </a:solidFill>
+              </a:rPr>
+              <a:t>Call to Action: Protecting Our Planet</a:t>
             </a:r>
             <a:endParaRPr lang="en-US" sz="3200" dirty="0"/>
           </a:p>
@@ -1857,10 +1857,10 @@
             <a:r>
               <a:rPr lang="en-US" sz="2400" dirty="0">
                 <a:solidFill>
-                  <a:srgbClr val="1E3A8A"/>
-                </a:solidFill>
-              </a:rPr>
-              <a:t>We all have a role to play in reducing pollution and protecting the environment.</a:t>
+                  <a:srgbClr val="FFFFFF"/>
+                </a:solidFill>
+              </a:rPr>
+              <a:t>Educate yourself and others about pollution issues.</a:t>
             </a:r>
             <a:endParaRPr lang="en-US" sz="2400" dirty="0"/>
           </a:p>
@@ -1871,10 +1871,10 @@
             <a:r>
               <a:rPr lang="en-US" sz="2400" dirty="0">
                 <a:solidFill>
-                  <a:srgbClr val="1E3A8A"/>
-                </a:solidFill>
-              </a:rPr>
-              <a:t>Support policies that promote clean energy and sustainable practices.</a:t>
+                  <a:srgbClr val="FFFFFF"/>
+                </a:solidFill>
+              </a:rPr>
+              <a:t>Support policies that promote environmental sustainability.</a:t>
             </a:r>
             <a:endParaRPr lang="en-US" sz="2400" dirty="0"/>
           </a:p>
@@ -1885,10 +1885,10 @@
             <a:r>
               <a:rPr lang="en-US" sz="2400" dirty="0">
                 <a:solidFill>
-                  <a:srgbClr val="1E3A8A"/>
-                </a:solidFill>
-              </a:rPr>
-              <a:t>Make conscious choices to reduce your environmental footprint and inspire others.</a:t>
+                  <a:srgbClr val="FFFFFF"/>
+                </a:solidFill>
+              </a:rPr>
+              <a:t>Make conscious choices to reduce your environmental footprint.</a:t>
             </a:r>
             <a:endParaRPr lang="en-US" sz="2400" dirty="0"/>
           </a:p>
@@ -1908,7 +1908,7 @@
     <p:bg>
       <p:bgPr>
         <a:solidFill>
-          <a:srgbClr val="F0F8FF"/>
+          <a:srgbClr val="F3F4F6"/>
         </a:solidFill>
       </p:bgPr>
     </p:bg>
@@ -1953,10 +1953,10 @@
             <a:r>
               <a:rPr lang="en-US" sz="3200" b="1" dirty="0">
                 <a:solidFill>
-                  <a:srgbClr val="1E3A8A"/>
-                </a:solidFill>
-              </a:rPr>
-              <a:t>Air Pollution: A Silent Killer</a:t>
+                  <a:srgbClr val="FFFFFF"/>
+                </a:solidFill>
+              </a:rPr>
+              <a:t>Air Pollution: A Breath of Poison</a:t>
             </a:r>
             <a:endParaRPr lang="en-US" sz="3200" dirty="0"/>
           </a:p>
@@ -1997,10 +1997,10 @@
             <a:r>
               <a:rPr lang="en-US" sz="1800" dirty="0">
                 <a:solidFill>
-                  <a:srgbClr val="1E3A8A"/>
-                </a:solidFill>
-              </a:rPr>
-              <a:t>Air pollution is caused by emissions from vehicles, industries, and burning of fossil fuels.</a:t>
+                  <a:srgbClr val="FFFFFF"/>
+                </a:solidFill>
+              </a:rPr>
+              <a:t>Sources include vehicles, factories, and power plants.</a:t>
             </a:r>
             <a:endParaRPr lang="en-US" sz="1800" dirty="0"/>
           </a:p>
@@ -2019,10 +2019,10 @@
             <a:r>
               <a:rPr lang="en-US" sz="1800" dirty="0">
                 <a:solidFill>
-                  <a:srgbClr val="1E3A8A"/>
-                </a:solidFill>
-              </a:rPr>
-              <a:t>It leads to respiratory illnesses, cardiovascular diseases, and cancer.</a:t>
+                  <a:srgbClr val="FFFFFF"/>
+                </a:solidFill>
+              </a:rPr>
+              <a:t>Harmful to respiratory health, cardiovascular system and causes cancer.</a:t>
             </a:r>
             <a:endParaRPr lang="en-US" sz="1800" dirty="0"/>
           </a:p>
@@ -2041,10 +2041,10 @@
             <a:r>
               <a:rPr lang="en-US" sz="1800" dirty="0">
                 <a:solidFill>
-                  <a:srgbClr val="1E3A8A"/>
-                </a:solidFill>
-              </a:rPr>
-              <a:t>Reducing air pollution requires cleaner energy sources and stricter emission controls.</a:t>
+                  <a:srgbClr val="FFFFFF"/>
+                </a:solidFill>
+              </a:rPr>
+              <a:t>Contributes to acid rain, smog, and climate change.</a:t>
             </a:r>
             <a:endParaRPr lang="en-US" sz="1800" dirty="0"/>
           </a:p>
@@ -2052,7 +2052,7 @@
       </p:sp>
       <p:pic>
         <p:nvPicPr>
-          <p:cNvPr id="4" name="Image 0" descr="C:\Users\divya\OneDrive\Desktop\Presentify-project\backend\uploads\temp_1746601871127.jpeg">    </p:cNvPr>
+          <p:cNvPr id="4" name="Image 0" descr="C:\Users\Devanshi\OneDrive\Desktop\Presentify-project\backend\uploads\temp_1746683923067.jpeg">    </p:cNvPr>
           <p:cNvPicPr>
             <a:picLocks noChangeAspect="1"/>
           </p:cNvPicPr>
@@ -2087,7 +2087,7 @@
     <p:bg>
       <p:bgPr>
         <a:solidFill>
-          <a:srgbClr val="F0F8FF"/>
+          <a:srgbClr val="F3F4F6"/>
         </a:solidFill>
       </p:bgPr>
     </p:bg>
@@ -2132,10 +2132,10 @@
             <a:r>
               <a:rPr lang="en-US" sz="3200" b="1" dirty="0">
                 <a:solidFill>
-                  <a:srgbClr val="1E3A8A"/>
-                </a:solidFill>
-              </a:rPr>
-              <a:t>Water Pollution: Threat to Aquatic Life</a:t>
+                  <a:srgbClr val="FFFFFF"/>
+                </a:solidFill>
+              </a:rPr>
+              <a:t>Water Pollution: Tainted Waters</a:t>
             </a:r>
             <a:endParaRPr lang="en-US" sz="3200" dirty="0"/>
           </a:p>
@@ -2176,10 +2176,10 @@
             <a:r>
               <a:rPr lang="en-US" sz="1800" dirty="0">
                 <a:solidFill>
-                  <a:srgbClr val="1E3A8A"/>
-                </a:solidFill>
-              </a:rPr>
-              <a:t>Water pollution is caused by industrial discharge, agricultural runoff, and sewage.</a:t>
+                  <a:srgbClr val="FFFFFF"/>
+                </a:solidFill>
+              </a:rPr>
+              <a:t>Agricultural runoff, industrial waste, and sewage contaminate water sources.</a:t>
             </a:r>
             <a:endParaRPr lang="en-US" sz="1800" dirty="0"/>
           </a:p>
@@ -2198,10 +2198,10 @@
             <a:r>
               <a:rPr lang="en-US" sz="1800" dirty="0">
                 <a:solidFill>
-                  <a:srgbClr val="1E3A8A"/>
-                </a:solidFill>
-              </a:rPr>
-              <a:t>It contaminates drinking water sources and harms aquatic ecosystems.</a:t>
+                  <a:srgbClr val="FFFFFF"/>
+                </a:solidFill>
+              </a:rPr>
+              <a:t>Threatens aquatic life and human health via drinking water.</a:t>
             </a:r>
             <a:endParaRPr lang="en-US" sz="1800" dirty="0"/>
           </a:p>
@@ -2220,10 +2220,10 @@
             <a:r>
               <a:rPr lang="en-US" sz="1800" dirty="0">
                 <a:solidFill>
-                  <a:srgbClr val="1E3A8A"/>
-                </a:solidFill>
-              </a:rPr>
-              <a:t>Effective wastewater treatment and responsible agricultural practices are crucial.</a:t>
+                  <a:srgbClr val="FFFFFF"/>
+                </a:solidFill>
+              </a:rPr>
+              <a:t>Plastic pollution in oceans is a growing crisis.</a:t>
             </a:r>
             <a:endParaRPr lang="en-US" sz="1800" dirty="0"/>
           </a:p>
@@ -2231,7 +2231,7 @@
       </p:sp>
       <p:pic>
         <p:nvPicPr>
-          <p:cNvPr id="4" name="Image 0" descr="C:\Users\divya\OneDrive\Desktop\Presentify-project\backend\uploads\temp_1746601874400.jpeg">    </p:cNvPr>
+          <p:cNvPr id="4" name="Image 0" descr="C:\Users\Devanshi\OneDrive\Desktop\Presentify-project\backend\uploads\temp_1746683924427.jpeg">    </p:cNvPr>
           <p:cNvPicPr>
             <a:picLocks noChangeAspect="1"/>
           </p:cNvPicPr>
@@ -2266,7 +2266,7 @@
     <p:bg>
       <p:bgPr>
         <a:solidFill>
-          <a:srgbClr val="F0F8FF"/>
+          <a:srgbClr val="F3F4F6"/>
         </a:solidFill>
       </p:bgPr>
     </p:bg>
@@ -2311,10 +2311,10 @@
             <a:r>
               <a:rPr lang="en-US" sz="3200" b="1" dirty="0">
                 <a:solidFill>
-                  <a:srgbClr val="1E3A8A"/>
-                </a:solidFill>
-              </a:rPr>
-              <a:t>Soil Pollution: Impact on Agriculture</a:t>
+                  <a:srgbClr val="FFFFFF"/>
+                </a:solidFill>
+              </a:rPr>
+              <a:t>Land Pollution: A Growing Waste Problem</a:t>
             </a:r>
             <a:endParaRPr lang="en-US" sz="3200" dirty="0"/>
           </a:p>
@@ -2355,10 +2355,10 @@
             <a:r>
               <a:rPr lang="en-US" sz="1800" dirty="0">
                 <a:solidFill>
-                  <a:srgbClr val="1E3A8A"/>
-                </a:solidFill>
-              </a:rPr>
-              <a:t>Soil pollution results from pesticides, heavy metals, and improper waste disposal.</a:t>
+                  <a:srgbClr val="FFFFFF"/>
+                </a:solidFill>
+              </a:rPr>
+              <a:t>Improper waste disposal leads to soil contamination and groundwater pollution.</a:t>
             </a:r>
             <a:endParaRPr lang="en-US" sz="1800" dirty="0"/>
           </a:p>
@@ -2377,10 +2377,10 @@
             <a:r>
               <a:rPr lang="en-US" sz="1800" dirty="0">
                 <a:solidFill>
-                  <a:srgbClr val="1E3A8A"/>
-                </a:solidFill>
-              </a:rPr>
-              <a:t>It reduces soil fertility, contaminates food crops, and harms soil organisms.</a:t>
+                  <a:srgbClr val="FFFFFF"/>
+                </a:solidFill>
+              </a:rPr>
+              <a:t>Deforestation, mining, and construction contribute to land degradation.</a:t>
             </a:r>
             <a:endParaRPr lang="en-US" sz="1800" dirty="0"/>
           </a:p>
@@ -2399,10 +2399,10 @@
             <a:r>
               <a:rPr lang="en-US" sz="1800" dirty="0">
                 <a:solidFill>
-                  <a:srgbClr val="1E3A8A"/>
-                </a:solidFill>
-              </a:rPr>
-              <a:t>Promoting organic farming and safe waste management is essential.</a:t>
+                  <a:srgbClr val="FFFFFF"/>
+                </a:solidFill>
+              </a:rPr>
+              <a:t>Harmful to ecosystems and agriculture.</a:t>
             </a:r>
             <a:endParaRPr lang="en-US" sz="1800" dirty="0"/>
           </a:p>
@@ -2410,7 +2410,7 @@
       </p:sp>
       <p:pic>
         <p:nvPicPr>
-          <p:cNvPr id="4" name="Image 0" descr="C:\Users\divya\OneDrive\Desktop\Presentify-project\backend\uploads\temp_1746601879756.jpeg">    </p:cNvPr>
+          <p:cNvPr id="4" name="Image 0" descr="C:\Users\Devanshi\OneDrive\Desktop\Presentify-project\backend\uploads\temp_1746683926943.jpeg">    </p:cNvPr>
           <p:cNvPicPr>
             <a:picLocks noChangeAspect="1"/>
           </p:cNvPicPr>
@@ -2445,7 +2445,7 @@
     <p:bg>
       <p:bgPr>
         <a:solidFill>
-          <a:srgbClr val="F0F8FF"/>
+          <a:srgbClr val="F3F4F6"/>
         </a:solidFill>
       </p:bgPr>
     </p:bg>
@@ -2490,10 +2490,10 @@
             <a:r>
               <a:rPr lang="en-US" sz="3200" b="1" dirty="0">
                 <a:solidFill>
-                  <a:srgbClr val="1E3A8A"/>
-                </a:solidFill>
-              </a:rPr>
-              <a:t>Plastic Pollution: A Growing Problem</a:t>
+                  <a:srgbClr val="FFFFFF"/>
+                </a:solidFill>
+              </a:rPr>
+              <a:t>Noise Pollution: The Silent Killer</a:t>
             </a:r>
             <a:endParaRPr lang="en-US" sz="3200" dirty="0"/>
           </a:p>
@@ -2534,10 +2534,10 @@
             <a:r>
               <a:rPr lang="en-US" sz="1800" dirty="0">
                 <a:solidFill>
-                  <a:srgbClr val="1E3A8A"/>
-                </a:solidFill>
-              </a:rPr>
-              <a:t>Plastic pollution is caused by excessive plastic production and improper disposal.</a:t>
+                  <a:srgbClr val="FFFFFF"/>
+                </a:solidFill>
+              </a:rPr>
+              <a:t>Traffic, construction, and industrial activities generate excessive noise.</a:t>
             </a:r>
             <a:endParaRPr lang="en-US" sz="1800" dirty="0"/>
           </a:p>
@@ -2556,10 +2556,10 @@
             <a:r>
               <a:rPr lang="en-US" sz="1800" dirty="0">
                 <a:solidFill>
-                  <a:srgbClr val="1E3A8A"/>
-                </a:solidFill>
-              </a:rPr>
-              <a:t>It accumulates in oceans, harming marine life and ecosystems.</a:t>
+                  <a:srgbClr val="FFFFFF"/>
+                </a:solidFill>
+              </a:rPr>
+              <a:t>Can cause hearing loss, stress, and sleep disturbances.</a:t>
             </a:r>
             <a:endParaRPr lang="en-US" sz="1800" dirty="0"/>
           </a:p>
@@ -2578,10 +2578,10 @@
             <a:r>
               <a:rPr lang="en-US" sz="1800" dirty="0">
                 <a:solidFill>
-                  <a:srgbClr val="1E3A8A"/>
-                </a:solidFill>
-              </a:rPr>
-              <a:t>Reducing plastic consumption, promoting recycling, and developing biodegradable alternatives are key.</a:t>
+                  <a:srgbClr val="FFFFFF"/>
+                </a:solidFill>
+              </a:rPr>
+              <a:t>Affects wildlife by disrupting communication and behavior.</a:t>
             </a:r>
             <a:endParaRPr lang="en-US" sz="1800" dirty="0"/>
           </a:p>
@@ -2589,7 +2589,7 @@
       </p:sp>
       <p:pic>
         <p:nvPicPr>
-          <p:cNvPr id="4" name="Image 0" descr="C:\Users\divya\OneDrive\Desktop\Presentify-project\backend\uploads\temp_1746601883002.jpeg">    </p:cNvPr>
+          <p:cNvPr id="4" name="Image 0" descr="C:\Users\Devanshi\OneDrive\Desktop\Presentify-project\backend\uploads\temp_1746683930561.jpeg">    </p:cNvPr>
           <p:cNvPicPr>
             <a:picLocks noChangeAspect="1"/>
           </p:cNvPicPr>
@@ -2621,6 +2621,13 @@
 <file path=ppt/slides/slide6.xml><?xml version="1.0" encoding="utf-8"?>
 <p:sld xmlns:a="http://schemas.openxmlformats.org/drawingml/2006/main" xmlns:r="http://schemas.openxmlformats.org/officeDocument/2006/relationships" xmlns:p="http://schemas.openxmlformats.org/presentationml/2006/main">
   <p:cSld name="Slide 6">
+    <p:bg>
+      <p:bgPr>
+        <a:solidFill>
+          <a:srgbClr val="F3F4F6"/>
+        </a:solidFill>
+      </p:bgPr>
+    </p:bg>
     <p:spTree>
       <p:nvGrpSpPr>
         <p:cNvPr id="1" name=""/>
@@ -2662,10 +2669,10 @@
             <a:r>
               <a:rPr lang="en-US" sz="3200" b="1" dirty="0">
                 <a:solidFill>
-                  <a:srgbClr val="1E3A8A"/>
-                </a:solidFill>
-              </a:rPr>
-              <a:t>Impact on Human Health</a:t>
+                  <a:srgbClr val="FFFFFF"/>
+                </a:solidFill>
+              </a:rPr>
+              <a:t>Sources of Pollution: Pinpointing the Culprits</a:t>
             </a:r>
             <a:endParaRPr lang="en-US" sz="3200" dirty="0"/>
           </a:p>
@@ -2706,10 +2713,10 @@
             <a:r>
               <a:rPr lang="en-US" sz="1800" dirty="0">
                 <a:solidFill>
-                  <a:srgbClr val="1E3A8A"/>
-                </a:solidFill>
-              </a:rPr>
-              <a:t>Pollution exposure can lead to a variety of health problems, from respiratory issues to cancer.</a:t>
+                  <a:srgbClr val="FFFFFF"/>
+                </a:solidFill>
+              </a:rPr>
+              <a:t>Industry: Manufacturing, mining, and energy production.</a:t>
             </a:r>
             <a:endParaRPr lang="en-US" sz="1800" dirty="0"/>
           </a:p>
@@ -2728,10 +2735,10 @@
             <a:r>
               <a:rPr lang="en-US" sz="1800" dirty="0">
                 <a:solidFill>
-                  <a:srgbClr val="1E3A8A"/>
-                </a:solidFill>
-              </a:rPr>
-              <a:t>Children, the elderly, and those with pre-existing conditions are most vulnerable.</a:t>
+                  <a:srgbClr val="FFFFFF"/>
+                </a:solidFill>
+              </a:rPr>
+              <a:t>Agriculture: Fertilizers, pesticides, and animal waste.</a:t>
             </a:r>
             <a:endParaRPr lang="en-US" sz="1800" dirty="0"/>
           </a:p>
@@ -2750,10 +2757,10 @@
             <a:r>
               <a:rPr lang="en-US" sz="1800" dirty="0">
                 <a:solidFill>
-                  <a:srgbClr val="1E3A8A"/>
-                </a:solidFill>
-              </a:rPr>
-              <a:t>Reducing pollution is critical for protecting public health.</a:t>
+                  <a:srgbClr val="FFFFFF"/>
+                </a:solidFill>
+              </a:rPr>
+              <a:t>Transportation: Vehicles, ships, and airplanes.</a:t>
             </a:r>
             <a:endParaRPr lang="en-US" sz="1800" dirty="0"/>
           </a:p>
@@ -2761,7 +2768,7 @@
       </p:sp>
       <p:pic>
         <p:nvPicPr>
-          <p:cNvPr id="4" name="Image 0" descr="C:\Users\divya\OneDrive\Desktop\Presentify-project\backend\uploads\temp_1746601886787.jpeg">    </p:cNvPr>
+          <p:cNvPr id="4" name="Image 0" descr="C:\Users\Devanshi\OneDrive\Desktop\Presentify-project\backend\uploads\temp_1746683932034.jpeg">    </p:cNvPr>
           <p:cNvPicPr>
             <a:picLocks noChangeAspect="1"/>
           </p:cNvPicPr>
@@ -2793,6 +2800,13 @@
 <file path=ppt/slides/slide7.xml><?xml version="1.0" encoding="utf-8"?>
 <p:sld xmlns:a="http://schemas.openxmlformats.org/drawingml/2006/main" xmlns:r="http://schemas.openxmlformats.org/officeDocument/2006/relationships" xmlns:p="http://schemas.openxmlformats.org/presentationml/2006/main">
   <p:cSld name="Slide 7">
+    <p:bg>
+      <p:bgPr>
+        <a:solidFill>
+          <a:srgbClr val="F3F4F6"/>
+        </a:solidFill>
+      </p:bgPr>
+    </p:bg>
     <p:spTree>
       <p:nvGrpSpPr>
         <p:cNvPr id="1" name=""/>
@@ -2834,10 +2848,10 @@
             <a:r>
               <a:rPr lang="en-US" sz="3200" b="1" dirty="0">
                 <a:solidFill>
-                  <a:srgbClr val="1E3A8A"/>
-                </a:solidFill>
-              </a:rPr>
-              <a:t>Economic Costs of Pollution</a:t>
+                  <a:srgbClr val="FFFFFF"/>
+                </a:solidFill>
+              </a:rPr>
+              <a:t>Impacts on Human Health: A Grave Threat</a:t>
             </a:r>
             <a:endParaRPr lang="en-US" sz="3200" dirty="0"/>
           </a:p>
@@ -2878,10 +2892,10 @@
             <a:r>
               <a:rPr lang="en-US" sz="1800" dirty="0">
                 <a:solidFill>
-                  <a:srgbClr val="1E3A8A"/>
-                </a:solidFill>
-              </a:rPr>
-              <a:t>Pollution leads to increased healthcare costs, reduced agricultural productivity, and damage to ecosystems.</a:t>
+                  <a:srgbClr val="FFFFFF"/>
+                </a:solidFill>
+              </a:rPr>
+              <a:t>Respiratory diseases, cancer, and cardiovascular problems.</a:t>
             </a:r>
             <a:endParaRPr lang="en-US" sz="1800" dirty="0"/>
           </a:p>
@@ -2900,10 +2914,10 @@
             <a:r>
               <a:rPr lang="en-US" sz="1800" dirty="0">
                 <a:solidFill>
-                  <a:srgbClr val="1E3A8A"/>
-                </a:solidFill>
-              </a:rPr>
-              <a:t>Clean-up efforts and remediation are expensive and time-consuming.</a:t>
+                  <a:srgbClr val="FFFFFF"/>
+                </a:solidFill>
+              </a:rPr>
+              <a:t>Neurological damage, developmental issues, and reproductive problems.</a:t>
             </a:r>
             <a:endParaRPr lang="en-US" sz="1800" dirty="0"/>
           </a:p>
@@ -2922,10 +2936,10 @@
             <a:r>
               <a:rPr lang="en-US" sz="1800" dirty="0">
                 <a:solidFill>
-                  <a:srgbClr val="1E3A8A"/>
-                </a:solidFill>
-              </a:rPr>
-              <a:t>Investing in pollution prevention is economically sound in the long run.</a:t>
+                  <a:srgbClr val="FFFFFF"/>
+                </a:solidFill>
+              </a:rPr>
+              <a:t>Disproportionately affects vulnerable populations.</a:t>
             </a:r>
             <a:endParaRPr lang="en-US" sz="1800" dirty="0"/>
           </a:p>
@@ -2933,7 +2947,7 @@
       </p:sp>
       <p:pic>
         <p:nvPicPr>
-          <p:cNvPr id="4" name="Image 0" descr="C:\Users\divya\OneDrive\Desktop\Presentify-project\backend\uploads\temp_1746601890691.jpeg">    </p:cNvPr>
+          <p:cNvPr id="4" name="Image 0" descr="C:\Users\Devanshi\OneDrive\Desktop\Presentify-project\backend\uploads\temp_1746683936201.jpeg">    </p:cNvPr>
           <p:cNvPicPr>
             <a:picLocks noChangeAspect="1"/>
           </p:cNvPicPr>
@@ -2965,6 +2979,13 @@
 <file path=ppt/slides/slide8.xml><?xml version="1.0" encoding="utf-8"?>
 <p:sld xmlns:a="http://schemas.openxmlformats.org/drawingml/2006/main" xmlns:r="http://schemas.openxmlformats.org/officeDocument/2006/relationships" xmlns:p="http://schemas.openxmlformats.org/presentationml/2006/main">
   <p:cSld name="Slide 8">
+    <p:bg>
+      <p:bgPr>
+        <a:solidFill>
+          <a:srgbClr val="F3F4F6"/>
+        </a:solidFill>
+      </p:bgPr>
+    </p:bg>
     <p:spTree>
       <p:nvGrpSpPr>
         <p:cNvPr id="1" name=""/>
@@ -3006,10 +3027,10 @@
             <a:r>
               <a:rPr lang="en-US" sz="3200" b="1" dirty="0">
                 <a:solidFill>
-                  <a:srgbClr val="1E3A8A"/>
-                </a:solidFill>
-              </a:rPr>
-              <a:t>Solutions: Cleaner Energy</a:t>
+                  <a:srgbClr val="FFFFFF"/>
+                </a:solidFill>
+              </a:rPr>
+              <a:t>Environmental Consequences: Devastating Loss</a:t>
             </a:r>
             <a:endParaRPr lang="en-US" sz="3200" dirty="0"/>
           </a:p>
@@ -3050,10 +3071,10 @@
             <a:r>
               <a:rPr lang="en-US" sz="1800" dirty="0">
                 <a:solidFill>
-                  <a:srgbClr val="1E3A8A"/>
-                </a:solidFill>
-              </a:rPr>
-              <a:t>Transitioning to renewable energy sources like solar, wind, and hydro power.</a:t>
+                  <a:srgbClr val="FFFFFF"/>
+                </a:solidFill>
+              </a:rPr>
+              <a:t>Loss of biodiversity and ecosystem disruption.</a:t>
             </a:r>
             <a:endParaRPr lang="en-US" sz="1800" dirty="0"/>
           </a:p>
@@ -3072,10 +3093,10 @@
             <a:r>
               <a:rPr lang="en-US" sz="1800" dirty="0">
                 <a:solidFill>
-                  <a:srgbClr val="1E3A8A"/>
-                </a:solidFill>
-              </a:rPr>
-              <a:t>Improving energy efficiency in buildings and transportation.</a:t>
+                  <a:srgbClr val="FFFFFF"/>
+                </a:solidFill>
+              </a:rPr>
+              <a:t>Climate change acceleration and extreme weather events.</a:t>
             </a:r>
             <a:endParaRPr lang="en-US" sz="1800" dirty="0"/>
           </a:p>
@@ -3094,10 +3115,10 @@
             <a:r>
               <a:rPr lang="en-US" sz="1800" dirty="0">
                 <a:solidFill>
-                  <a:srgbClr val="1E3A8A"/>
-                </a:solidFill>
-              </a:rPr>
-              <a:t>Investing in research and development of cleaner technologies.</a:t>
+                  <a:srgbClr val="FFFFFF"/>
+                </a:solidFill>
+              </a:rPr>
+              <a:t>Water scarcity, soil degradation, and deforestation.</a:t>
             </a:r>
             <a:endParaRPr lang="en-US" sz="1800" dirty="0"/>
           </a:p>
@@ -3105,7 +3126,7 @@
       </p:sp>
       <p:pic>
         <p:nvPicPr>
-          <p:cNvPr id="4" name="Image 0" descr="C:\Users\divya\OneDrive\Desktop\Presentify-project\backend\uploads\temp_1746601892615.jpeg">    </p:cNvPr>
+          <p:cNvPr id="4" name="Image 0" descr="C:\Users\Devanshi\OneDrive\Desktop\Presentify-project\backend\uploads\temp_1746683942527.jpeg">    </p:cNvPr>
           <p:cNvPicPr>
             <a:picLocks noChangeAspect="1"/>
           </p:cNvPicPr>
@@ -3137,6 +3158,13 @@
 <file path=ppt/slides/slide9.xml><?xml version="1.0" encoding="utf-8"?>
 <p:sld xmlns:a="http://schemas.openxmlformats.org/drawingml/2006/main" xmlns:r="http://schemas.openxmlformats.org/officeDocument/2006/relationships" xmlns:p="http://schemas.openxmlformats.org/presentationml/2006/main">
   <p:cSld name="Slide 9">
+    <p:bg>
+      <p:bgPr>
+        <a:solidFill>
+          <a:srgbClr val="F3F4F6"/>
+        </a:solidFill>
+      </p:bgPr>
+    </p:bg>
     <p:spTree>
       <p:nvGrpSpPr>
         <p:cNvPr id="1" name=""/>
@@ -3178,10 +3206,10 @@
             <a:r>
               <a:rPr lang="en-US" sz="3200" b="1" dirty="0">
                 <a:solidFill>
-                  <a:srgbClr val="1E3A8A"/>
-                </a:solidFill>
-              </a:rPr>
-              <a:t>Solutions: Sustainable Practices</a:t>
+                  <a:srgbClr val="FFFFFF"/>
+                </a:solidFill>
+              </a:rPr>
+              <a:t>Solutions: A Path to a Cleaner Future</a:t>
             </a:r>
             <a:endParaRPr lang="en-US" sz="3200" dirty="0"/>
           </a:p>
@@ -3222,10 +3250,10 @@
             <a:r>
               <a:rPr lang="en-US" sz="1800" dirty="0">
                 <a:solidFill>
-                  <a:srgbClr val="1E3A8A"/>
-                </a:solidFill>
-              </a:rPr>
-              <a:t>Adopting sustainable agricultural practices to reduce fertilizer and pesticide use.</a:t>
+                  <a:srgbClr val="FFFFFF"/>
+                </a:solidFill>
+              </a:rPr>
+              <a:t>Reduce, reuse, and recycle to minimize waste generation.</a:t>
             </a:r>
             <a:endParaRPr lang="en-US" sz="1800" dirty="0"/>
           </a:p>
@@ -3244,10 +3272,10 @@
             <a:r>
               <a:rPr lang="en-US" sz="1800" dirty="0">
                 <a:solidFill>
-                  <a:srgbClr val="1E3A8A"/>
-                </a:solidFill>
-              </a:rPr>
-              <a:t>Promoting recycling and waste reduction programs.</a:t>
+                  <a:srgbClr val="FFFFFF"/>
+                </a:solidFill>
+              </a:rPr>
+              <a:t>Transition to renewable energy sources to combat air pollution.</a:t>
             </a:r>
             <a:endParaRPr lang="en-US" sz="1800" dirty="0"/>
           </a:p>
@@ -3266,10 +3294,10 @@
             <a:r>
               <a:rPr lang="en-US" sz="1800" dirty="0">
                 <a:solidFill>
-                  <a:srgbClr val="1E3A8A"/>
-                </a:solidFill>
-              </a:rPr>
-              <a:t>Encouraging responsible consumption and production patterns.</a:t>
+                  <a:srgbClr val="FFFFFF"/>
+                </a:solidFill>
+              </a:rPr>
+              <a:t>Implement stricter environmental regulations and enforce them effectively.</a:t>
             </a:r>
             <a:endParaRPr lang="en-US" sz="1800" dirty="0"/>
           </a:p>
@@ -3277,7 +3305,7 @@
       </p:sp>
       <p:pic>
         <p:nvPicPr>
-          <p:cNvPr id="4" name="Image 0" descr="C:\Users\divya\OneDrive\Desktop\Presentify-project\backend\uploads\temp_1746601895129.jpeg">    </p:cNvPr>
+          <p:cNvPr id="4" name="Image 0" descr="C:\Users\Devanshi\OneDrive\Desktop\Presentify-project\backend\uploads\temp_1746683943381.jpeg">    </p:cNvPr>
           <p:cNvPicPr>
             <a:picLocks noChangeAspect="1"/>
           </p:cNvPicPr>

--- a/backend/uploads/pollution_presentation.pptx
+++ b/backend/uploads/pollution_presentation.pptx
@@ -1655,260 +1655,10 @@
 <file path=ppt/slides/slide1.xml><?xml version="1.0" encoding="utf-8"?>
 <p:sld xmlns:a="http://schemas.openxmlformats.org/drawingml/2006/main" xmlns:r="http://schemas.openxmlformats.org/officeDocument/2006/relationships" xmlns:p="http://schemas.openxmlformats.org/presentationml/2006/main">
   <p:cSld name="Slide 1">
-    <p:spTree>
-      <p:nvGrpSpPr>
-        <p:cNvPr id="1" name=""/>
-        <p:cNvGrpSpPr/>
-        <p:nvPr/>
-      </p:nvGrpSpPr>
-      <p:grpSpPr>
-        <a:xfrm>
-          <a:off x="0" y="0"/>
-          <a:ext cx="0" cy="0"/>
-          <a:chOff x="0" y="0"/>
-          <a:chExt cx="0" cy="0"/>
-        </a:xfrm>
-      </p:grpSpPr>
-      <p:sp>
-        <p:nvSpPr>
-          <p:cNvPr id="2" name="Text 0"/>
-          <p:cNvSpPr/>
-          <p:nvPr/>
-        </p:nvSpPr>
-        <p:spPr>
-          <a:xfrm>
-            <a:off x="457200" y="257175"/>
-            <a:ext cx="8229600" cy="771525"/>
-          </a:xfrm>
-          <a:prstGeom prst="rect">
-            <a:avLst/>
-          </a:prstGeom>
-          <a:noFill/>
-          <a:ln/>
-        </p:spPr>
-        <p:txBody>
-          <a:bodyPr wrap="square" rtlCol="0" anchor="ctr"/>
-          <a:lstStyle/>
-          <a:p>
-            <a:pPr algn="l" indent="0" marL="0">
-              <a:buNone/>
-            </a:pPr>
-            <a:r>
-              <a:rPr lang="en-US" sz="3200" b="1" dirty="0">
-                <a:solidFill>
-                  <a:srgbClr val="FFFFFF"/>
-                </a:solidFill>
-              </a:rPr>
-              <a:t>Pollution: A Global Crisis</a:t>
-            </a:r>
-            <a:endParaRPr lang="en-US" sz="3200" dirty="0"/>
-          </a:p>
-        </p:txBody>
-      </p:sp>
-      <p:sp>
-        <p:nvSpPr>
-          <p:cNvPr id="3" name="Text 1"/>
-          <p:cNvSpPr/>
-          <p:nvPr/>
-        </p:nvSpPr>
-        <p:spPr>
-          <a:xfrm>
-            <a:off x="914400" y="2057400"/>
-            <a:ext cx="7315200" cy="1543050"/>
-          </a:xfrm>
-          <a:prstGeom prst="rect">
-            <a:avLst/>
-          </a:prstGeom>
-          <a:noFill/>
-          <a:ln/>
-        </p:spPr>
-        <p:txBody>
-          <a:bodyPr wrap="square" rtlCol="0" anchor="ctr"/>
-          <a:lstStyle/>
-          <a:p>
-            <a:pPr algn="ctr" indent="0" marL="0">
-              <a:buNone/>
-            </a:pPr>
-            <a:r>
-              <a:rPr lang="en-US" sz="2400" dirty="0">
-                <a:solidFill>
-                  <a:srgbClr val="FFFFFF"/>
-                </a:solidFill>
-              </a:rPr>
-              <a:t>Pollution degrades our environment and threatens all life.</a:t>
-            </a:r>
-            <a:endParaRPr lang="en-US" sz="2400" dirty="0"/>
-          </a:p>
-          <a:p>
-            <a:pPr algn="ctr" indent="0" marL="0">
-              <a:buNone/>
-            </a:pPr>
-            <a:r>
-              <a:rPr lang="en-US" sz="2400" dirty="0">
-                <a:solidFill>
-                  <a:srgbClr val="FFFFFF"/>
-                </a:solidFill>
-              </a:rPr>
-              <a:t>Multiple forms, each with unique sources and impacts.</a:t>
-            </a:r>
-            <a:endParaRPr lang="en-US" sz="2400" dirty="0"/>
-          </a:p>
-          <a:p>
-            <a:pPr algn="ctr" indent="0" marL="0">
-              <a:buNone/>
-            </a:pPr>
-            <a:r>
-              <a:rPr lang="en-US" sz="2400" dirty="0">
-                <a:solidFill>
-                  <a:srgbClr val="FFFFFF"/>
-                </a:solidFill>
-              </a:rPr>
-              <a:t>Urgent action is needed to mitigate its devastating effects.</a:t>
-            </a:r>
-            <a:endParaRPr lang="en-US" sz="2400" dirty="0"/>
-          </a:p>
-        </p:txBody>
-      </p:sp>
-    </p:spTree>
-  </p:cSld>
-  <p:clrMapOvr>
-    <a:masterClrMapping/>
-  </p:clrMapOvr>
-</p:sld>
-</file>
-
-<file path=ppt/slides/slide10.xml><?xml version="1.0" encoding="utf-8"?>
-<p:sld xmlns:a="http://schemas.openxmlformats.org/drawingml/2006/main" xmlns:r="http://schemas.openxmlformats.org/officeDocument/2006/relationships" xmlns:p="http://schemas.openxmlformats.org/presentationml/2006/main">
-  <p:cSld name="Slide 10">
-    <p:spTree>
-      <p:nvGrpSpPr>
-        <p:cNvPr id="1" name=""/>
-        <p:cNvGrpSpPr/>
-        <p:nvPr/>
-      </p:nvGrpSpPr>
-      <p:grpSpPr>
-        <a:xfrm>
-          <a:off x="0" y="0"/>
-          <a:ext cx="0" cy="0"/>
-          <a:chOff x="0" y="0"/>
-          <a:chExt cx="0" cy="0"/>
-        </a:xfrm>
-      </p:grpSpPr>
-      <p:sp>
-        <p:nvSpPr>
-          <p:cNvPr id="2" name="Text 0"/>
-          <p:cNvSpPr/>
-          <p:nvPr/>
-        </p:nvSpPr>
-        <p:spPr>
-          <a:xfrm>
-            <a:off x="457200" y="257175"/>
-            <a:ext cx="8229600" cy="771525"/>
-          </a:xfrm>
-          <a:prstGeom prst="rect">
-            <a:avLst/>
-          </a:prstGeom>
-          <a:noFill/>
-          <a:ln/>
-        </p:spPr>
-        <p:txBody>
-          <a:bodyPr wrap="square" rtlCol="0" anchor="ctr"/>
-          <a:lstStyle/>
-          <a:p>
-            <a:pPr algn="l" indent="0" marL="0">
-              <a:buNone/>
-            </a:pPr>
-            <a:r>
-              <a:rPr lang="en-US" sz="3200" b="1" dirty="0">
-                <a:solidFill>
-                  <a:srgbClr val="FFFFFF"/>
-                </a:solidFill>
-              </a:rPr>
-              <a:t>Call to Action: Protecting Our Planet</a:t>
-            </a:r>
-            <a:endParaRPr lang="en-US" sz="3200" dirty="0"/>
-          </a:p>
-        </p:txBody>
-      </p:sp>
-      <p:sp>
-        <p:nvSpPr>
-          <p:cNvPr id="3" name="Text 1"/>
-          <p:cNvSpPr/>
-          <p:nvPr/>
-        </p:nvSpPr>
-        <p:spPr>
-          <a:xfrm>
-            <a:off x="914400" y="2057400"/>
-            <a:ext cx="7315200" cy="1543050"/>
-          </a:xfrm>
-          <a:prstGeom prst="rect">
-            <a:avLst/>
-          </a:prstGeom>
-          <a:noFill/>
-          <a:ln/>
-        </p:spPr>
-        <p:txBody>
-          <a:bodyPr wrap="square" rtlCol="0" anchor="ctr"/>
-          <a:lstStyle/>
-          <a:p>
-            <a:pPr algn="ctr" indent="0" marL="0">
-              <a:buNone/>
-            </a:pPr>
-            <a:r>
-              <a:rPr lang="en-US" sz="2400" dirty="0">
-                <a:solidFill>
-                  <a:srgbClr val="FFFFFF"/>
-                </a:solidFill>
-              </a:rPr>
-              <a:t>Educate yourself and others about pollution issues.</a:t>
-            </a:r>
-            <a:endParaRPr lang="en-US" sz="2400" dirty="0"/>
-          </a:p>
-          <a:p>
-            <a:pPr algn="ctr" indent="0" marL="0">
-              <a:buNone/>
-            </a:pPr>
-            <a:r>
-              <a:rPr lang="en-US" sz="2400" dirty="0">
-                <a:solidFill>
-                  <a:srgbClr val="FFFFFF"/>
-                </a:solidFill>
-              </a:rPr>
-              <a:t>Support policies that promote environmental sustainability.</a:t>
-            </a:r>
-            <a:endParaRPr lang="en-US" sz="2400" dirty="0"/>
-          </a:p>
-          <a:p>
-            <a:pPr algn="ctr" indent="0" marL="0">
-              <a:buNone/>
-            </a:pPr>
-            <a:r>
-              <a:rPr lang="en-US" sz="2400" dirty="0">
-                <a:solidFill>
-                  <a:srgbClr val="FFFFFF"/>
-                </a:solidFill>
-              </a:rPr>
-              <a:t>Make conscious choices to reduce your environmental footprint.</a:t>
-            </a:r>
-            <a:endParaRPr lang="en-US" sz="2400" dirty="0"/>
-          </a:p>
-        </p:txBody>
-      </p:sp>
-    </p:spTree>
-  </p:cSld>
-  <p:clrMapOvr>
-    <a:masterClrMapping/>
-  </p:clrMapOvr>
-</p:sld>
-</file>
-
-<file path=ppt/slides/slide2.xml><?xml version="1.0" encoding="utf-8"?>
-<p:sld xmlns:a="http://schemas.openxmlformats.org/drawingml/2006/main" xmlns:r="http://schemas.openxmlformats.org/officeDocument/2006/relationships" xmlns:p="http://schemas.openxmlformats.org/presentationml/2006/main">
-  <p:cSld name="Slide 2">
     <p:bg>
       <p:bgPr>
         <a:solidFill>
-          <a:srgbClr val="F3F4F6"/>
+          <a:srgbClr val="000000"/>
         </a:solidFill>
       </p:bgPr>
     </p:bg>
@@ -1956,7 +1706,365 @@
                   <a:srgbClr val="FFFFFF"/>
                 </a:solidFill>
               </a:rPr>
-              <a:t>Air Pollution: A Breath of Poison</a:t>
+              <a:t>Understanding Pollution: A Global Crisis</a:t>
+            </a:r>
+            <a:endParaRPr lang="en-US" sz="3200" dirty="0"/>
+          </a:p>
+        </p:txBody>
+      </p:sp>
+      <p:sp>
+        <p:nvSpPr>
+          <p:cNvPr id="3" name="Text 1"/>
+          <p:cNvSpPr/>
+          <p:nvPr/>
+        </p:nvSpPr>
+        <p:spPr>
+          <a:xfrm>
+            <a:off x="457200" y="3086100"/>
+            <a:ext cx="8229600" cy="1543050"/>
+          </a:xfrm>
+          <a:prstGeom prst="rect">
+            <a:avLst/>
+          </a:prstGeom>
+          <a:noFill/>
+          <a:ln/>
+        </p:spPr>
+        <p:txBody>
+          <a:bodyPr wrap="square" lIns="0" tIns="0" rIns="0" bIns="190500" rtlCol="0" anchor="ctr"/>
+          <a:lstStyle/>
+          <a:p>
+            <a:pPr>
+              <a:lnSpc>
+                <a:spcPts val="150"/>
+              </a:lnSpc>
+              <a:spcBef>
+                <a:spcPts val="500"/>
+              </a:spcBef>
+              <a:spcAft>
+                <a:spcPts val="2000"/>
+              </a:spcAft>
+            </a:pPr>
+            <a:r>
+              <a:rPr lang="en-US" sz="1800" dirty="0">
+                <a:solidFill>
+                  <a:srgbClr val="FFFFFF"/>
+                </a:solidFill>
+              </a:rPr>
+              <a:t>Pollution defined: Contamination of the environment by harmful substances.</a:t>
+            </a:r>
+            <a:endParaRPr lang="en-US" sz="1800" dirty="0"/>
+          </a:p>
+          <a:p>
+            <a:pPr>
+              <a:lnSpc>
+                <a:spcPts val="150"/>
+              </a:lnSpc>
+              <a:spcBef>
+                <a:spcPts val="500"/>
+              </a:spcBef>
+              <a:spcAft>
+                <a:spcPts val="2000"/>
+              </a:spcAft>
+            </a:pPr>
+            <a:r>
+              <a:rPr lang="en-US" sz="1800" dirty="0">
+                <a:solidFill>
+                  <a:srgbClr val="FFFFFF"/>
+                </a:solidFill>
+              </a:rPr>
+              <a:t>Types of Pollution: Air, water, soil, noise, light, and thermal.</a:t>
+            </a:r>
+            <a:endParaRPr lang="en-US" sz="1800" dirty="0"/>
+          </a:p>
+          <a:p>
+            <a:pPr>
+              <a:lnSpc>
+                <a:spcPts val="150"/>
+              </a:lnSpc>
+              <a:spcBef>
+                <a:spcPts val="500"/>
+              </a:spcBef>
+              <a:spcAft>
+                <a:spcPts val="2000"/>
+              </a:spcAft>
+            </a:pPr>
+            <a:r>
+              <a:rPr lang="en-US" sz="1800" dirty="0">
+                <a:solidFill>
+                  <a:srgbClr val="FFFFFF"/>
+                </a:solidFill>
+              </a:rPr>
+              <a:t>Impact on Human Health: Respiratory problems, cancer, and developmental issues.</a:t>
+            </a:r>
+            <a:endParaRPr lang="en-US" sz="1800" dirty="0"/>
+          </a:p>
+        </p:txBody>
+      </p:sp>
+      <p:pic>
+        <p:nvPicPr>
+          <p:cNvPr id="4" name="Image 0" descr="C:\Users\dell\OneDrive\Documents\Presentify-project\backend\uploads\temp_1746820472399.jpeg">    </p:cNvPr>
+          <p:cNvPicPr>
+            <a:picLocks noChangeAspect="1"/>
+          </p:cNvPicPr>
+          <p:nvPr/>
+        </p:nvPicPr>
+        <p:blipFill>
+          <a:blip r:embed="rId1"/>
+          <a:srcRect l="0" r="0" t="-137500" b="-137500"/>
+          <a:stretch/>
+        </p:blipFill>
+        <p:spPr>
+          <a:xfrm>
+            <a:off x="457200" y="1285875"/>
+            <a:ext cx="3657600" cy="2571750"/>
+          </a:xfrm>
+          <a:prstGeom prst="rect">
+            <a:avLst/>
+          </a:prstGeom>
+        </p:spPr>
+      </p:pic>
+    </p:spTree>
+  </p:cSld>
+  <p:clrMapOvr>
+    <a:masterClrMapping/>
+  </p:clrMapOvr>
+</p:sld>
+</file>
+
+<file path=ppt/slides/slide10.xml><?xml version="1.0" encoding="utf-8"?>
+<p:sld xmlns:a="http://schemas.openxmlformats.org/drawingml/2006/main" xmlns:r="http://schemas.openxmlformats.org/officeDocument/2006/relationships" xmlns:p="http://schemas.openxmlformats.org/presentationml/2006/main">
+  <p:cSld name="Slide 10">
+    <p:bg>
+      <p:bgPr>
+        <a:solidFill>
+          <a:srgbClr val="000000"/>
+        </a:solidFill>
+      </p:bgPr>
+    </p:bg>
+    <p:spTree>
+      <p:nvGrpSpPr>
+        <p:cNvPr id="1" name=""/>
+        <p:cNvGrpSpPr/>
+        <p:nvPr/>
+      </p:nvGrpSpPr>
+      <p:grpSpPr>
+        <a:xfrm>
+          <a:off x="0" y="0"/>
+          <a:ext cx="0" cy="0"/>
+          <a:chOff x="0" y="0"/>
+          <a:chExt cx="0" cy="0"/>
+        </a:xfrm>
+      </p:grpSpPr>
+      <p:sp>
+        <p:nvSpPr>
+          <p:cNvPr id="2" name="Text 0"/>
+          <p:cNvSpPr/>
+          <p:nvPr/>
+        </p:nvSpPr>
+        <p:spPr>
+          <a:xfrm>
+            <a:off x="457200" y="257175"/>
+            <a:ext cx="8229600" cy="771525"/>
+          </a:xfrm>
+          <a:prstGeom prst="rect">
+            <a:avLst/>
+          </a:prstGeom>
+          <a:noFill/>
+          <a:ln/>
+        </p:spPr>
+        <p:txBody>
+          <a:bodyPr wrap="square" rtlCol="0" anchor="ctr"/>
+          <a:lstStyle/>
+          <a:p>
+            <a:pPr algn="l" indent="0" marL="0">
+              <a:buNone/>
+            </a:pPr>
+            <a:r>
+              <a:rPr lang="en-US" sz="3200" b="1" dirty="0">
+                <a:solidFill>
+                  <a:srgbClr val="FFFFFF"/>
+                </a:solidFill>
+              </a:rPr>
+              <a:t>Taking Action: Your Contribution Matters</a:t>
+            </a:r>
+            <a:endParaRPr lang="en-US" sz="3200" dirty="0"/>
+          </a:p>
+        </p:txBody>
+      </p:sp>
+      <p:sp>
+        <p:nvSpPr>
+          <p:cNvPr id="3" name="Text 1"/>
+          <p:cNvSpPr/>
+          <p:nvPr/>
+        </p:nvSpPr>
+        <p:spPr>
+          <a:xfrm>
+            <a:off x="457200" y="3086100"/>
+            <a:ext cx="8229600" cy="1543050"/>
+          </a:xfrm>
+          <a:prstGeom prst="rect">
+            <a:avLst/>
+          </a:prstGeom>
+          <a:noFill/>
+          <a:ln/>
+        </p:spPr>
+        <p:txBody>
+          <a:bodyPr wrap="square" lIns="0" tIns="0" rIns="0" bIns="190500" rtlCol="0" anchor="ctr"/>
+          <a:lstStyle/>
+          <a:p>
+            <a:pPr>
+              <a:lnSpc>
+                <a:spcPts val="150"/>
+              </a:lnSpc>
+              <a:spcBef>
+                <a:spcPts val="500"/>
+              </a:spcBef>
+              <a:spcAft>
+                <a:spcPts val="2000"/>
+              </a:spcAft>
+            </a:pPr>
+            <a:r>
+              <a:rPr lang="en-US" sz="1800" dirty="0">
+                <a:solidFill>
+                  <a:srgbClr val="FFFFFF"/>
+                </a:solidFill>
+              </a:rPr>
+              <a:t>Reduce Your Carbon Footprint: Conserve energy, reduce waste, and choose sustainable products.</a:t>
+            </a:r>
+            <a:endParaRPr lang="en-US" sz="1800" dirty="0"/>
+          </a:p>
+          <a:p>
+            <a:pPr>
+              <a:lnSpc>
+                <a:spcPts val="150"/>
+              </a:lnSpc>
+              <a:spcBef>
+                <a:spcPts val="500"/>
+              </a:spcBef>
+              <a:spcAft>
+                <a:spcPts val="2000"/>
+              </a:spcAft>
+            </a:pPr>
+            <a:r>
+              <a:rPr lang="en-US" sz="1800" dirty="0">
+                <a:solidFill>
+                  <a:srgbClr val="FFFFFF"/>
+                </a:solidFill>
+              </a:rPr>
+              <a:t>Support Environmental Organizations: Donate or volunteer to support pollution reduction efforts.</a:t>
+            </a:r>
+            <a:endParaRPr lang="en-US" sz="1800" dirty="0"/>
+          </a:p>
+          <a:p>
+            <a:pPr>
+              <a:lnSpc>
+                <a:spcPts val="150"/>
+              </a:lnSpc>
+              <a:spcBef>
+                <a:spcPts val="500"/>
+              </a:spcBef>
+              <a:spcAft>
+                <a:spcPts val="2000"/>
+              </a:spcAft>
+            </a:pPr>
+            <a:r>
+              <a:rPr lang="en-US" sz="1800" dirty="0">
+                <a:solidFill>
+                  <a:srgbClr val="FFFFFF"/>
+                </a:solidFill>
+              </a:rPr>
+              <a:t>Educate Others: Raise awareness about pollution and inspire positive change in your community.</a:t>
+            </a:r>
+            <a:endParaRPr lang="en-US" sz="1800" dirty="0"/>
+          </a:p>
+        </p:txBody>
+      </p:sp>
+      <p:pic>
+        <p:nvPicPr>
+          <p:cNvPr id="4" name="Image 0" descr="C:\Users\dell\OneDrive\Documents\Presentify-project\backend\uploads\temp_1746820498883.jpeg">    </p:cNvPr>
+          <p:cNvPicPr>
+            <a:picLocks noChangeAspect="1"/>
+          </p:cNvPicPr>
+          <p:nvPr/>
+        </p:nvPicPr>
+        <p:blipFill>
+          <a:blip r:embed="rId1"/>
+          <a:srcRect l="0" r="0" t="-137500" b="-137500"/>
+          <a:stretch/>
+        </p:blipFill>
+        <p:spPr>
+          <a:xfrm>
+            <a:off x="457200" y="1285875"/>
+            <a:ext cx="3657600" cy="2571750"/>
+          </a:xfrm>
+          <a:prstGeom prst="rect">
+            <a:avLst/>
+          </a:prstGeom>
+        </p:spPr>
+      </p:pic>
+    </p:spTree>
+  </p:cSld>
+  <p:clrMapOvr>
+    <a:masterClrMapping/>
+  </p:clrMapOvr>
+</p:sld>
+</file>
+
+<file path=ppt/slides/slide2.xml><?xml version="1.0" encoding="utf-8"?>
+<p:sld xmlns:a="http://schemas.openxmlformats.org/drawingml/2006/main" xmlns:r="http://schemas.openxmlformats.org/officeDocument/2006/relationships" xmlns:p="http://schemas.openxmlformats.org/presentationml/2006/main">
+  <p:cSld name="Slide 2">
+    <p:bg>
+      <p:bgPr>
+        <a:solidFill>
+          <a:srgbClr val="000000"/>
+        </a:solidFill>
+      </p:bgPr>
+    </p:bg>
+    <p:spTree>
+      <p:nvGrpSpPr>
+        <p:cNvPr id="1" name=""/>
+        <p:cNvGrpSpPr/>
+        <p:nvPr/>
+      </p:nvGrpSpPr>
+      <p:grpSpPr>
+        <a:xfrm>
+          <a:off x="0" y="0"/>
+          <a:ext cx="0" cy="0"/>
+          <a:chOff x="0" y="0"/>
+          <a:chExt cx="0" cy="0"/>
+        </a:xfrm>
+      </p:grpSpPr>
+      <p:sp>
+        <p:nvSpPr>
+          <p:cNvPr id="2" name="Text 0"/>
+          <p:cNvSpPr/>
+          <p:nvPr/>
+        </p:nvSpPr>
+        <p:spPr>
+          <a:xfrm>
+            <a:off x="457200" y="257175"/>
+            <a:ext cx="8229600" cy="771525"/>
+          </a:xfrm>
+          <a:prstGeom prst="rect">
+            <a:avLst/>
+          </a:prstGeom>
+          <a:noFill/>
+          <a:ln/>
+        </p:spPr>
+        <p:txBody>
+          <a:bodyPr wrap="square" rtlCol="0" anchor="ctr"/>
+          <a:lstStyle/>
+          <a:p>
+            <a:pPr algn="l" indent="0" marL="0">
+              <a:buNone/>
+            </a:pPr>
+            <a:r>
+              <a:rPr lang="en-US" sz="3200" b="1" dirty="0">
+                <a:solidFill>
+                  <a:srgbClr val="FFFFFF"/>
+                </a:solidFill>
+              </a:rPr>
+              <a:t>Air Pollution: The Silent Killer</a:t>
             </a:r>
             <a:endParaRPr lang="en-US" sz="3200" dirty="0"/>
           </a:p>
@@ -2000,7 +2108,7 @@
                   <a:srgbClr val="FFFFFF"/>
                 </a:solidFill>
               </a:rPr>
-              <a:t>Sources include vehicles, factories, and power plants.</a:t>
+              <a:t>Sources of Air Pollution: Vehicle emissions, industrial processes, and burning fossil fuels.</a:t>
             </a:r>
             <a:endParaRPr lang="en-US" sz="1800" dirty="0"/>
           </a:p>
@@ -2022,7 +2130,7 @@
                   <a:srgbClr val="FFFFFF"/>
                 </a:solidFill>
               </a:rPr>
-              <a:t>Harmful to respiratory health, cardiovascular system and causes cancer.</a:t>
+              <a:t>Major Pollutants: Particulate matter (PM2.5 &amp; PM10), ozone, nitrogen dioxide, and sulfur dioxide.</a:t>
             </a:r>
             <a:endParaRPr lang="en-US" sz="1800" dirty="0"/>
           </a:p>
@@ -2044,7 +2152,7 @@
                   <a:srgbClr val="FFFFFF"/>
                 </a:solidFill>
               </a:rPr>
-              <a:t>Contributes to acid rain, smog, and climate change.</a:t>
+              <a:t>Health Effects: Asthma, heart disease, lung cancer, and premature death.</a:t>
             </a:r>
             <a:endParaRPr lang="en-US" sz="1800" dirty="0"/>
           </a:p>
@@ -2052,7 +2160,7 @@
       </p:sp>
       <p:pic>
         <p:nvPicPr>
-          <p:cNvPr id="4" name="Image 0" descr="C:\Users\Devanshi\OneDrive\Desktop\Presentify-project\backend\uploads\temp_1746683923067.jpeg">    </p:cNvPr>
+          <p:cNvPr id="4" name="Image 0" descr="C:\Users\dell\OneDrive\Documents\Presentify-project\backend\uploads\temp_1746820474031.jpeg">    </p:cNvPr>
           <p:cNvPicPr>
             <a:picLocks noChangeAspect="1"/>
           </p:cNvPicPr>
@@ -2065,7 +2173,7 @@
         </p:blipFill>
         <p:spPr>
           <a:xfrm>
-            <a:off x="5029200" y="1285875"/>
+            <a:off x="4572000" y="1285875"/>
             <a:ext cx="3657600" cy="2571750"/>
           </a:xfrm>
           <a:prstGeom prst="rect">
@@ -2087,7 +2195,7 @@
     <p:bg>
       <p:bgPr>
         <a:solidFill>
-          <a:srgbClr val="F3F4F6"/>
+          <a:srgbClr val="000000"/>
         </a:solidFill>
       </p:bgPr>
     </p:bg>
@@ -2135,7 +2243,7 @@
                   <a:srgbClr val="FFFFFF"/>
                 </a:solidFill>
               </a:rPr>
-              <a:t>Water Pollution: Tainted Waters</a:t>
+              <a:t>Water Pollution: Threat to Aquatic Life</a:t>
             </a:r>
             <a:endParaRPr lang="en-US" sz="3200" dirty="0"/>
           </a:p>
@@ -2149,7 +2257,7 @@
         </p:nvSpPr>
         <p:spPr>
           <a:xfrm>
-            <a:off x="457200" y="1285875"/>
+            <a:off x="4572000" y="1285875"/>
             <a:ext cx="4114800" cy="3086100"/>
           </a:xfrm>
           <a:prstGeom prst="rect">
@@ -2179,7 +2287,7 @@
                   <a:srgbClr val="FFFFFF"/>
                 </a:solidFill>
               </a:rPr>
-              <a:t>Agricultural runoff, industrial waste, and sewage contaminate water sources.</a:t>
+              <a:t>Sources of Water Pollution: Industrial discharge, agricultural runoff, sewage, and oil spills.</a:t>
             </a:r>
             <a:endParaRPr lang="en-US" sz="1800" dirty="0"/>
           </a:p>
@@ -2201,7 +2309,7 @@
                   <a:srgbClr val="FFFFFF"/>
                 </a:solidFill>
               </a:rPr>
-              <a:t>Threatens aquatic life and human health via drinking water.</a:t>
+              <a:t>Types of Water Pollutants: Chemicals, heavy metals, pathogens, and plastics.</a:t>
             </a:r>
             <a:endParaRPr lang="en-US" sz="1800" dirty="0"/>
           </a:p>
@@ -2223,7 +2331,7 @@
                   <a:srgbClr val="FFFFFF"/>
                 </a:solidFill>
               </a:rPr>
-              <a:t>Plastic pollution in oceans is a growing crisis.</a:t>
+              <a:t>Impact on Ecosystems: Disruption of food chains, dead zones, and loss of biodiversity.</a:t>
             </a:r>
             <a:endParaRPr lang="en-US" sz="1800" dirty="0"/>
           </a:p>
@@ -2231,7 +2339,7 @@
       </p:sp>
       <p:pic>
         <p:nvPicPr>
-          <p:cNvPr id="4" name="Image 0" descr="C:\Users\Devanshi\OneDrive\Desktop\Presentify-project\backend\uploads\temp_1746683924427.jpeg">    </p:cNvPr>
+          <p:cNvPr id="4" name="Image 0" descr="C:\Users\dell\OneDrive\Documents\Presentify-project\backend\uploads\temp_1746820475610.jpeg">    </p:cNvPr>
           <p:cNvPicPr>
             <a:picLocks noChangeAspect="1"/>
           </p:cNvPicPr>
@@ -2244,7 +2352,7 @@
         </p:blipFill>
         <p:spPr>
           <a:xfrm>
-            <a:off x="5029200" y="1285875"/>
+            <a:off x="457200" y="1285875"/>
             <a:ext cx="3657600" cy="2571750"/>
           </a:xfrm>
           <a:prstGeom prst="rect">
@@ -2266,7 +2374,7 @@
     <p:bg>
       <p:bgPr>
         <a:solidFill>
-          <a:srgbClr val="F3F4F6"/>
+          <a:srgbClr val="000000"/>
         </a:solidFill>
       </p:bgPr>
     </p:bg>
@@ -2314,7 +2422,7 @@
                   <a:srgbClr val="FFFFFF"/>
                 </a:solidFill>
               </a:rPr>
-              <a:t>Land Pollution: A Growing Waste Problem</a:t>
+              <a:t>Soil Pollution: Degradation of Land</a:t>
             </a:r>
             <a:endParaRPr lang="en-US" sz="3200" dirty="0"/>
           </a:p>
@@ -2358,7 +2466,7 @@
                   <a:srgbClr val="FFFFFF"/>
                 </a:solidFill>
               </a:rPr>
-              <a:t>Improper waste disposal leads to soil contamination and groundwater pollution.</a:t>
+              <a:t>Sources of Soil Pollution: Industrial waste, pesticides, fertilizers, and mining activities.</a:t>
             </a:r>
             <a:endParaRPr lang="en-US" sz="1800" dirty="0"/>
           </a:p>
@@ -2380,7 +2488,7 @@
                   <a:srgbClr val="FFFFFF"/>
                 </a:solidFill>
               </a:rPr>
-              <a:t>Deforestation, mining, and construction contribute to land degradation.</a:t>
+              <a:t>Soil Pollutants: Heavy metals, persistent organic pollutants (POPs), and radioactive materials.</a:t>
             </a:r>
             <a:endParaRPr lang="en-US" sz="1800" dirty="0"/>
           </a:p>
@@ -2402,7 +2510,7 @@
                   <a:srgbClr val="FFFFFF"/>
                 </a:solidFill>
               </a:rPr>
-              <a:t>Harmful to ecosystems and agriculture.</a:t>
+              <a:t>Impact on Agriculture: Reduced crop yields, contamination of food, and soil erosion.</a:t>
             </a:r>
             <a:endParaRPr lang="en-US" sz="1800" dirty="0"/>
           </a:p>
@@ -2410,7 +2518,7 @@
       </p:sp>
       <p:pic>
         <p:nvPicPr>
-          <p:cNvPr id="4" name="Image 0" descr="C:\Users\Devanshi\OneDrive\Desktop\Presentify-project\backend\uploads\temp_1746683926943.jpeg">    </p:cNvPr>
+          <p:cNvPr id="4" name="Image 0" descr="C:\Users\dell\OneDrive\Documents\Presentify-project\backend\uploads\temp_1746820480959.jpeg">    </p:cNvPr>
           <p:cNvPicPr>
             <a:picLocks noChangeAspect="1"/>
           </p:cNvPicPr>
@@ -2423,7 +2531,7 @@
         </p:blipFill>
         <p:spPr>
           <a:xfrm>
-            <a:off x="5029200" y="1285875"/>
+            <a:off x="4572000" y="1285875"/>
             <a:ext cx="3657600" cy="2571750"/>
           </a:xfrm>
           <a:prstGeom prst="rect">
@@ -2445,7 +2553,7 @@
     <p:bg>
       <p:bgPr>
         <a:solidFill>
-          <a:srgbClr val="F3F4F6"/>
+          <a:srgbClr val="000000"/>
         </a:solidFill>
       </p:bgPr>
     </p:bg>
@@ -2493,7 +2601,7 @@
                   <a:srgbClr val="FFFFFF"/>
                 </a:solidFill>
               </a:rPr>
-              <a:t>Noise Pollution: The Silent Killer</a:t>
+              <a:t>The Role of Plastics in Pollution</a:t>
             </a:r>
             <a:endParaRPr lang="en-US" sz="3200" dirty="0"/>
           </a:p>
@@ -2507,7 +2615,7 @@
         </p:nvSpPr>
         <p:spPr>
           <a:xfrm>
-            <a:off x="457200" y="1285875"/>
+            <a:off x="4572000" y="1285875"/>
             <a:ext cx="4114800" cy="3086100"/>
           </a:xfrm>
           <a:prstGeom prst="rect">
@@ -2537,7 +2645,7 @@
                   <a:srgbClr val="FFFFFF"/>
                 </a:solidFill>
               </a:rPr>
-              <a:t>Traffic, construction, and industrial activities generate excessive noise.</a:t>
+              <a:t>Plastic Production and Waste: Exponential growth of plastic production and improper disposal.</a:t>
             </a:r>
             <a:endParaRPr lang="en-US" sz="1800" dirty="0"/>
           </a:p>
@@ -2559,7 +2667,7 @@
                   <a:srgbClr val="FFFFFF"/>
                 </a:solidFill>
               </a:rPr>
-              <a:t>Can cause hearing loss, stress, and sleep disturbances.</a:t>
+              <a:t>Microplastics: Small plastic particles that contaminate oceans and food chains.</a:t>
             </a:r>
             <a:endParaRPr lang="en-US" sz="1800" dirty="0"/>
           </a:p>
@@ -2581,7 +2689,7 @@
                   <a:srgbClr val="FFFFFF"/>
                 </a:solidFill>
               </a:rPr>
-              <a:t>Affects wildlife by disrupting communication and behavior.</a:t>
+              <a:t>Environmental Impact: Entanglement of wildlife, ingestion by animals, and release of toxins.</a:t>
             </a:r>
             <a:endParaRPr lang="en-US" sz="1800" dirty="0"/>
           </a:p>
@@ -2589,7 +2697,7 @@
       </p:sp>
       <p:pic>
         <p:nvPicPr>
-          <p:cNvPr id="4" name="Image 0" descr="C:\Users\Devanshi\OneDrive\Desktop\Presentify-project\backend\uploads\temp_1746683930561.jpeg">    </p:cNvPr>
+          <p:cNvPr id="4" name="Image 0" descr="C:\Users\dell\OneDrive\Documents\Presentify-project\backend\uploads\temp_1746820483926.jpeg">    </p:cNvPr>
           <p:cNvPicPr>
             <a:picLocks noChangeAspect="1"/>
           </p:cNvPicPr>
@@ -2602,7 +2710,7 @@
         </p:blipFill>
         <p:spPr>
           <a:xfrm>
-            <a:off x="5029200" y="1285875"/>
+            <a:off x="457200" y="1285875"/>
             <a:ext cx="3657600" cy="2571750"/>
           </a:xfrm>
           <a:prstGeom prst="rect">
@@ -2624,7 +2732,7 @@
     <p:bg>
       <p:bgPr>
         <a:solidFill>
-          <a:srgbClr val="F3F4F6"/>
+          <a:srgbClr val="000000"/>
         </a:solidFill>
       </p:bgPr>
     </p:bg>
@@ -2672,7 +2780,7 @@
                   <a:srgbClr val="FFFFFF"/>
                 </a:solidFill>
               </a:rPr>
-              <a:t>Sources of Pollution: Pinpointing the Culprits</a:t>
+              <a:t>Sources of Pollution: A Quick Glance</a:t>
             </a:r>
             <a:endParaRPr lang="en-US" sz="3200" dirty="0"/>
           </a:p>
@@ -2686,8 +2794,8 @@
         </p:nvSpPr>
         <p:spPr>
           <a:xfrm>
-            <a:off x="457200" y="1285875"/>
-            <a:ext cx="4114800" cy="3086100"/>
+            <a:off x="457200" y="3086100"/>
+            <a:ext cx="8229600" cy="1543050"/>
           </a:xfrm>
           <a:prstGeom prst="rect">
             <a:avLst/>
@@ -2716,7 +2824,7 @@
                   <a:srgbClr val="FFFFFF"/>
                 </a:solidFill>
               </a:rPr>
-              <a:t>Industry: Manufacturing, mining, and energy production.</a:t>
+              <a:t>Industrial activities release harmful pollutants into the air and water.</a:t>
             </a:r>
             <a:endParaRPr lang="en-US" sz="1800" dirty="0"/>
           </a:p>
@@ -2738,7 +2846,7 @@
                   <a:srgbClr val="FFFFFF"/>
                 </a:solidFill>
               </a:rPr>
-              <a:t>Agriculture: Fertilizers, pesticides, and animal waste.</a:t>
+              <a:t>Agricultural practices such as pesticides and fertilizers contaminate soil and water.</a:t>
             </a:r>
             <a:endParaRPr lang="en-US" sz="1800" dirty="0"/>
           </a:p>
@@ -2760,7 +2868,7 @@
                   <a:srgbClr val="FFFFFF"/>
                 </a:solidFill>
               </a:rPr>
-              <a:t>Transportation: Vehicles, ships, and airplanes.</a:t>
+              <a:t>Transportation sector contributes to air pollution through vehicle emissions.</a:t>
             </a:r>
             <a:endParaRPr lang="en-US" sz="1800" dirty="0"/>
           </a:p>
@@ -2768,7 +2876,7 @@
       </p:sp>
       <p:pic>
         <p:nvPicPr>
-          <p:cNvPr id="4" name="Image 0" descr="C:\Users\Devanshi\OneDrive\Desktop\Presentify-project\backend\uploads\temp_1746683932034.jpeg">    </p:cNvPr>
+          <p:cNvPr id="4" name="Image 0" descr="C:\Users\dell\OneDrive\Documents\Presentify-project\backend\uploads\temp_1746820484515.jpeg">    </p:cNvPr>
           <p:cNvPicPr>
             <a:picLocks noChangeAspect="1"/>
           </p:cNvPicPr>
@@ -2776,12 +2884,12 @@
         </p:nvPicPr>
         <p:blipFill>
           <a:blip r:embed="rId1"/>
-          <a:srcRect l="0" r="0" t="0" b="0"/>
+          <a:srcRect l="0" r="0" t="-137500" b="-137500"/>
           <a:stretch/>
         </p:blipFill>
         <p:spPr>
           <a:xfrm>
-            <a:off x="5029200" y="1285875"/>
+            <a:off x="457200" y="1285875"/>
             <a:ext cx="3657600" cy="2571750"/>
           </a:xfrm>
           <a:prstGeom prst="rect">
@@ -2803,7 +2911,7 @@
     <p:bg>
       <p:bgPr>
         <a:solidFill>
-          <a:srgbClr val="F3F4F6"/>
+          <a:srgbClr val="000000"/>
         </a:solidFill>
       </p:bgPr>
     </p:bg>
@@ -2851,7 +2959,7 @@
                   <a:srgbClr val="FFFFFF"/>
                 </a:solidFill>
               </a:rPr>
-              <a:t>Impacts on Human Health: A Grave Threat</a:t>
+              <a:t>The Economic Costs of Pollution</a:t>
             </a:r>
             <a:endParaRPr lang="en-US" sz="3200" dirty="0"/>
           </a:p>
@@ -2895,7 +3003,7 @@
                   <a:srgbClr val="FFFFFF"/>
                 </a:solidFill>
               </a:rPr>
-              <a:t>Respiratory diseases, cancer, and cardiovascular problems.</a:t>
+              <a:t>Healthcare Expenses: Treating pollution-related illnesses places a burden on healthcare systems.</a:t>
             </a:r>
             <a:endParaRPr lang="en-US" sz="1800" dirty="0"/>
           </a:p>
@@ -2917,7 +3025,7 @@
                   <a:srgbClr val="FFFFFF"/>
                 </a:solidFill>
               </a:rPr>
-              <a:t>Neurological damage, developmental issues, and reproductive problems.</a:t>
+              <a:t>Reduced Productivity: Pollution can decrease worker productivity and economic output.</a:t>
             </a:r>
             <a:endParaRPr lang="en-US" sz="1800" dirty="0"/>
           </a:p>
@@ -2939,7 +3047,7 @@
                   <a:srgbClr val="FFFFFF"/>
                 </a:solidFill>
               </a:rPr>
-              <a:t>Disproportionately affects vulnerable populations.</a:t>
+              <a:t>Environmental Damage: Costs associated with cleaning up polluted areas and restoring ecosystems.</a:t>
             </a:r>
             <a:endParaRPr lang="en-US" sz="1800" dirty="0"/>
           </a:p>
@@ -2947,7 +3055,7 @@
       </p:sp>
       <p:pic>
         <p:nvPicPr>
-          <p:cNvPr id="4" name="Image 0" descr="C:\Users\Devanshi\OneDrive\Desktop\Presentify-project\backend\uploads\temp_1746683936201.jpeg">    </p:cNvPr>
+          <p:cNvPr id="4" name="Image 0" descr="C:\Users\dell\OneDrive\Documents\Presentify-project\backend\uploads\temp_1746820487382.jpeg">    </p:cNvPr>
           <p:cNvPicPr>
             <a:picLocks noChangeAspect="1"/>
           </p:cNvPicPr>
@@ -2960,7 +3068,7 @@
         </p:blipFill>
         <p:spPr>
           <a:xfrm>
-            <a:off x="5029200" y="1285875"/>
+            <a:off x="4572000" y="1285875"/>
             <a:ext cx="3657600" cy="2571750"/>
           </a:xfrm>
           <a:prstGeom prst="rect">
@@ -2982,7 +3090,7 @@
     <p:bg>
       <p:bgPr>
         <a:solidFill>
-          <a:srgbClr val="F3F4F6"/>
+          <a:srgbClr val="000000"/>
         </a:solidFill>
       </p:bgPr>
     </p:bg>
@@ -3030,7 +3138,7 @@
                   <a:srgbClr val="FFFFFF"/>
                 </a:solidFill>
               </a:rPr>
-              <a:t>Environmental Consequences: Devastating Loss</a:t>
+              <a:t>Solutions: Towards a Cleaner Future</a:t>
             </a:r>
             <a:endParaRPr lang="en-US" sz="3200" dirty="0"/>
           </a:p>
@@ -3044,7 +3152,7 @@
         </p:nvSpPr>
         <p:spPr>
           <a:xfrm>
-            <a:off x="457200" y="1285875"/>
+            <a:off x="4572000" y="1285875"/>
             <a:ext cx="4114800" cy="3086100"/>
           </a:xfrm>
           <a:prstGeom prst="rect">
@@ -3074,7 +3182,7 @@
                   <a:srgbClr val="FFFFFF"/>
                 </a:solidFill>
               </a:rPr>
-              <a:t>Loss of biodiversity and ecosystem disruption.</a:t>
+              <a:t>Reduce, Reuse, Recycle: Minimizing waste and maximizing resource utilization.</a:t>
             </a:r>
             <a:endParaRPr lang="en-US" sz="1800" dirty="0"/>
           </a:p>
@@ -3096,7 +3204,7 @@
                   <a:srgbClr val="FFFFFF"/>
                 </a:solidFill>
               </a:rPr>
-              <a:t>Climate change acceleration and extreme weather events.</a:t>
+              <a:t>Renewable Energy: Transitioning to solar, wind, and other clean energy sources.</a:t>
             </a:r>
             <a:endParaRPr lang="en-US" sz="1800" dirty="0"/>
           </a:p>
@@ -3118,7 +3226,7 @@
                   <a:srgbClr val="FFFFFF"/>
                 </a:solidFill>
               </a:rPr>
-              <a:t>Water scarcity, soil degradation, and deforestation.</a:t>
+              <a:t>Sustainable Transportation: Promoting public transit, cycling, and electric vehicles.</a:t>
             </a:r>
             <a:endParaRPr lang="en-US" sz="1800" dirty="0"/>
           </a:p>
@@ -3126,7 +3234,7 @@
       </p:sp>
       <p:pic>
         <p:nvPicPr>
-          <p:cNvPr id="4" name="Image 0" descr="C:\Users\Devanshi\OneDrive\Desktop\Presentify-project\backend\uploads\temp_1746683942527.jpeg">    </p:cNvPr>
+          <p:cNvPr id="4" name="Image 0" descr="C:\Users\dell\OneDrive\Documents\Presentify-project\backend\uploads\temp_1746820492312.jpeg">    </p:cNvPr>
           <p:cNvPicPr>
             <a:picLocks noChangeAspect="1"/>
           </p:cNvPicPr>
@@ -3139,7 +3247,7 @@
         </p:blipFill>
         <p:spPr>
           <a:xfrm>
-            <a:off x="5029200" y="1285875"/>
+            <a:off x="457200" y="1285875"/>
             <a:ext cx="3657600" cy="2571750"/>
           </a:xfrm>
           <a:prstGeom prst="rect">
@@ -3161,7 +3269,7 @@
     <p:bg>
       <p:bgPr>
         <a:solidFill>
-          <a:srgbClr val="F3F4F6"/>
+          <a:srgbClr val="000000"/>
         </a:solidFill>
       </p:bgPr>
     </p:bg>
@@ -3209,7 +3317,7 @@
                   <a:srgbClr val="FFFFFF"/>
                 </a:solidFill>
               </a:rPr>
-              <a:t>Solutions: A Path to a Cleaner Future</a:t>
+              <a:t>Policy and Regulations: Government's Role</a:t>
             </a:r>
             <a:endParaRPr lang="en-US" sz="3200" dirty="0"/>
           </a:p>
@@ -3253,7 +3361,7 @@
                   <a:srgbClr val="FFFFFF"/>
                 </a:solidFill>
               </a:rPr>
-              <a:t>Reduce, reuse, and recycle to minimize waste generation.</a:t>
+              <a:t>Environmental Regulations: Setting emission standards and pollution control measures.</a:t>
             </a:r>
             <a:endParaRPr lang="en-US" sz="1800" dirty="0"/>
           </a:p>
@@ -3275,7 +3383,7 @@
                   <a:srgbClr val="FFFFFF"/>
                 </a:solidFill>
               </a:rPr>
-              <a:t>Transition to renewable energy sources to combat air pollution.</a:t>
+              <a:t>International Agreements: Collaborative efforts to address global pollution challenges.</a:t>
             </a:r>
             <a:endParaRPr lang="en-US" sz="1800" dirty="0"/>
           </a:p>
@@ -3297,7 +3405,7 @@
                   <a:srgbClr val="FFFFFF"/>
                 </a:solidFill>
               </a:rPr>
-              <a:t>Implement stricter environmental regulations and enforce them effectively.</a:t>
+              <a:t>Incentives and Subsidies: Encouraging businesses and individuals to adopt eco-friendly practices.</a:t>
             </a:r>
             <a:endParaRPr lang="en-US" sz="1800" dirty="0"/>
           </a:p>
@@ -3305,7 +3413,7 @@
       </p:sp>
       <p:pic>
         <p:nvPicPr>
-          <p:cNvPr id="4" name="Image 0" descr="C:\Users\Devanshi\OneDrive\Desktop\Presentify-project\backend\uploads\temp_1746683943381.jpeg">    </p:cNvPr>
+          <p:cNvPr id="4" name="Image 0" descr="C:\Users\dell\OneDrive\Documents\Presentify-project\backend\uploads\temp_1746820493866.jpeg">    </p:cNvPr>
           <p:cNvPicPr>
             <a:picLocks noChangeAspect="1"/>
           </p:cNvPicPr>
@@ -3318,7 +3426,7 @@
         </p:blipFill>
         <p:spPr>
           <a:xfrm>
-            <a:off x="5029200" y="1285875"/>
+            <a:off x="4572000" y="1285875"/>
             <a:ext cx="3657600" cy="2571750"/>
           </a:xfrm>
           <a:prstGeom prst="rect">

--- a/backend/uploads/pollution_presentation.pptx
+++ b/backend/uploads/pollution_presentation.pptx
@@ -1301,7 +1301,7 @@
                   <a:srgbClr val="FFFFFF"/>
                 </a:solidFill>
               </a:rPr>
-              <a:t>Pollution harms human health, ecosystems, and economies worldwide.</a:t>
+              <a:t>Pollution degrades our environment, impacting human health and ecosystems.</a:t>
             </a:r>
             <a:endParaRPr lang="en-US" sz="1800" dirty="0"/>
           </a:p>
@@ -1337,7 +1337,7 @@
                   <a:srgbClr val="FFFFFF"/>
                 </a:solidFill>
               </a:rPr>
-              <a:t>Urgent action is needed to mitigate its devastating impacts.</a:t>
+              <a:t>Addressing pollution requires global collaboration and sustainable practices.</a:t>
             </a:r>
             <a:endParaRPr lang="en-US" sz="1800" dirty="0"/>
           </a:p>
@@ -1345,7 +1345,7 @@
       </p:sp>
       <p:pic>
         <p:nvPicPr>
-          <p:cNvPr id="4" name="Image 0" descr="C:\Users\divya\OneDrive\Desktop\Presentify-project\backend\uploads\temp_1747290808918.jpeg">    </p:cNvPr>
+          <p:cNvPr id="4" name="Image 0" descr="C:\Users\divya\OneDrive\Desktop\Presentify-project\backend\uploads\temp_1747291195314.jpeg">    </p:cNvPr>
           <p:cNvPicPr>
             <a:picLocks noChangeAspect="1"/>
           </p:cNvPicPr>
@@ -1428,7 +1428,174 @@
                   <a:srgbClr val="FFFFFF"/>
                 </a:solidFill>
               </a:rPr>
-              <a:t>Air Pollution: A Breath of Fresh Air?</a:t>
+              <a:t>Sources and Types of Pollution</a:t>
+            </a:r>
+            <a:endParaRPr lang="en-US" sz="3200" dirty="0"/>
+          </a:p>
+        </p:txBody>
+      </p:sp>
+      <p:sp>
+        <p:nvSpPr>
+          <p:cNvPr id="3" name="Text 1"/>
+          <p:cNvSpPr/>
+          <p:nvPr/>
+        </p:nvSpPr>
+        <p:spPr>
+          <a:xfrm>
+            <a:off x="4572000" y="1285875"/>
+            <a:ext cx="4114800" cy="3086100"/>
+          </a:xfrm>
+          <a:prstGeom prst="rect">
+            <a:avLst/>
+          </a:prstGeom>
+          <a:noFill/>
+          <a:ln/>
+        </p:spPr>
+        <p:txBody>
+          <a:bodyPr wrap="square" rtlCol="0" anchor="ctr"/>
+          <a:lstStyle/>
+          <a:p>
+            <a:pPr marL="342900" indent="-342900">
+              <a:spcAft>
+                <a:spcPts val="1000"/>
+              </a:spcAft>
+              <a:buSzPct val="100000"/>
+              <a:buChar char="•"/>
+            </a:pPr>
+            <a:r>
+              <a:rPr lang="en-US" sz="1800" dirty="0">
+                <a:solidFill>
+                  <a:srgbClr val="FFFFFF"/>
+                </a:solidFill>
+              </a:rPr>
+              <a:t>Industrial activities release harmful chemicals and greenhouse gases.</a:t>
+            </a:r>
+            <a:endParaRPr lang="en-US" sz="1800" dirty="0"/>
+          </a:p>
+          <a:p>
+            <a:pPr marL="342900" indent="-342900">
+              <a:spcAft>
+                <a:spcPts val="1000"/>
+              </a:spcAft>
+              <a:buSzPct val="100000"/>
+              <a:buChar char="•"/>
+            </a:pPr>
+            <a:r>
+              <a:rPr lang="en-US" sz="1800" dirty="0">
+                <a:solidFill>
+                  <a:srgbClr val="FFFFFF"/>
+                </a:solidFill>
+              </a:rPr>
+              <a:t>Agricultural runoff contaminates water sources with pesticides and fertilizers.</a:t>
+            </a:r>
+            <a:endParaRPr lang="en-US" sz="1800" dirty="0"/>
+          </a:p>
+          <a:p>
+            <a:pPr marL="342900" indent="-342900">
+              <a:spcAft>
+                <a:spcPts val="1000"/>
+              </a:spcAft>
+              <a:buSzPct val="100000"/>
+              <a:buChar char="•"/>
+            </a:pPr>
+            <a:r>
+              <a:rPr lang="en-US" sz="1800" dirty="0">
+                <a:solidFill>
+                  <a:srgbClr val="FFFFFF"/>
+                </a:solidFill>
+              </a:rPr>
+              <a:t>Improper waste disposal leads to land and water pollution, harming wildlife.</a:t>
+            </a:r>
+            <a:endParaRPr lang="en-US" sz="1800" dirty="0"/>
+          </a:p>
+        </p:txBody>
+      </p:sp>
+      <p:pic>
+        <p:nvPicPr>
+          <p:cNvPr id="4" name="Image 0" descr="C:\Users\divya\OneDrive\Desktop\Presentify-project\backend\uploads\temp_1747291196483.jpeg">    </p:cNvPr>
+          <p:cNvPicPr>
+            <a:picLocks noChangeAspect="1"/>
+          </p:cNvPicPr>
+          <p:nvPr/>
+        </p:nvPicPr>
+        <p:blipFill>
+          <a:blip r:embed="rId1"/>
+          <a:srcRect l="0" r="0" t="0" b="0"/>
+          <a:stretch/>
+        </p:blipFill>
+        <p:spPr>
+          <a:xfrm>
+            <a:off x="457200" y="1285875"/>
+            <a:ext cx="3657600" cy="2571750"/>
+          </a:xfrm>
+          <a:prstGeom prst="rect">
+            <a:avLst/>
+          </a:prstGeom>
+        </p:spPr>
+      </p:pic>
+    </p:spTree>
+  </p:cSld>
+  <p:clrMapOvr>
+    <a:masterClrMapping/>
+  </p:clrMapOvr>
+</p:sld>
+</file>
+
+<file path=ppt/slides/slide3.xml><?xml version="1.0" encoding="utf-8"?>
+<p:sld xmlns:a="http://schemas.openxmlformats.org/drawingml/2006/main" xmlns:r="http://schemas.openxmlformats.org/officeDocument/2006/relationships" xmlns:p="http://schemas.openxmlformats.org/presentationml/2006/main">
+  <p:cSld name="Slide 3">
+    <p:bg>
+      <p:bgPr>
+        <a:solidFill>
+          <a:srgbClr val="000000"/>
+        </a:solidFill>
+      </p:bgPr>
+    </p:bg>
+    <p:spTree>
+      <p:nvGrpSpPr>
+        <p:cNvPr id="1" name=""/>
+        <p:cNvGrpSpPr/>
+        <p:nvPr/>
+      </p:nvGrpSpPr>
+      <p:grpSpPr>
+        <a:xfrm>
+          <a:off x="0" y="0"/>
+          <a:ext cx="0" cy="0"/>
+          <a:chOff x="0" y="0"/>
+          <a:chExt cx="0" cy="0"/>
+        </a:xfrm>
+      </p:grpSpPr>
+      <p:sp>
+        <p:nvSpPr>
+          <p:cNvPr id="2" name="Text 0"/>
+          <p:cNvSpPr/>
+          <p:nvPr/>
+        </p:nvSpPr>
+        <p:spPr>
+          <a:xfrm>
+            <a:off x="457200" y="257175"/>
+            <a:ext cx="8229600" cy="771525"/>
+          </a:xfrm>
+          <a:prstGeom prst="rect">
+            <a:avLst/>
+          </a:prstGeom>
+          <a:noFill/>
+          <a:ln/>
+        </p:spPr>
+        <p:txBody>
+          <a:bodyPr wrap="square" rtlCol="0" anchor="ctr"/>
+          <a:lstStyle/>
+          <a:p>
+            <a:pPr algn="l" indent="0" marL="0">
+              <a:buNone/>
+            </a:pPr>
+            <a:r>
+              <a:rPr lang="en-US" sz="3200" b="1" dirty="0">
+                <a:solidFill>
+                  <a:srgbClr val="FFFFFF"/>
+                </a:solidFill>
+              </a:rPr>
+              <a:t>The Impact of Pollution on Human Health</a:t>
             </a:r>
             <a:endParaRPr lang="en-US" sz="3200" dirty="0"/>
           </a:p>
@@ -1468,7 +1635,7 @@
                   <a:srgbClr val="FFFFFF"/>
                 </a:solidFill>
               </a:rPr>
-              <a:t>Sources include vehicle emissions, industrial activities, and burning fossil fuels.</a:t>
+              <a:t>Air pollution causes respiratory illnesses, cardiovascular diseases, and cancer.</a:t>
             </a:r>
             <a:endParaRPr lang="en-US" sz="1800" dirty="0"/>
           </a:p>
@@ -1486,7 +1653,7 @@
                   <a:srgbClr val="FFFFFF"/>
                 </a:solidFill>
               </a:rPr>
-              <a:t>Contributes to respiratory illnesses, cardiovascular diseases, and cancer.</a:t>
+              <a:t>Water pollution leads to waterborne diseases and exposure to toxins.</a:t>
             </a:r>
             <a:endParaRPr lang="en-US" sz="1800" dirty="0"/>
           </a:p>
@@ -1504,7 +1671,7 @@
                   <a:srgbClr val="FFFFFF"/>
                 </a:solidFill>
               </a:rPr>
-              <a:t>Solutions involve cleaner energy, public transport, and emission controls.</a:t>
+              <a:t>Noise pollution contributes to stress, hearing loss, and sleep disturbances.</a:t>
             </a:r>
             <a:endParaRPr lang="en-US" sz="1800" dirty="0"/>
           </a:p>
@@ -1512,7 +1679,7 @@
       </p:sp>
       <p:pic>
         <p:nvPicPr>
-          <p:cNvPr id="4" name="Image 0" descr="C:\Users\divya\OneDrive\Desktop\Presentify-project\backend\uploads\temp_1747290810247.jpeg">    </p:cNvPr>
+          <p:cNvPr id="4" name="Image 0" descr="C:\Users\divya\OneDrive\Desktop\Presentify-project\backend\uploads\temp_1747291197728.jpeg">    </p:cNvPr>
           <p:cNvPicPr>
             <a:picLocks noChangeAspect="1"/>
           </p:cNvPicPr>
@@ -1541,9 +1708,9 @@
 </p:sld>
 </file>
 
-<file path=ppt/slides/slide3.xml><?xml version="1.0" encoding="utf-8"?>
+<file path=ppt/slides/slide4.xml><?xml version="1.0" encoding="utf-8"?>
 <p:sld xmlns:a="http://schemas.openxmlformats.org/drawingml/2006/main" xmlns:r="http://schemas.openxmlformats.org/officeDocument/2006/relationships" xmlns:p="http://schemas.openxmlformats.org/presentationml/2006/main">
-  <p:cSld name="Slide 3">
+  <p:cSld name="Slide 4">
     <p:bg>
       <p:bgPr>
         <a:solidFill>
@@ -1595,7 +1762,7 @@
                   <a:srgbClr val="FFFFFF"/>
                 </a:solidFill>
               </a:rPr>
-              <a:t>Water Pollution: A Dying Resource</a:t>
+              <a:t>Environmental Consequences of Pollution</a:t>
             </a:r>
             <a:endParaRPr lang="en-US" sz="3200" dirty="0"/>
           </a:p>
@@ -1635,7 +1802,7 @@
                   <a:srgbClr val="FFFFFF"/>
                 </a:solidFill>
               </a:rPr>
-              <a:t>Industrial waste, agricultural runoff, and sewage contaminate water sources.</a:t>
+              <a:t>Pollution disrupts ecosystems, leading to biodiversity loss and habitat destruction.</a:t>
             </a:r>
             <a:endParaRPr lang="en-US" sz="1800" dirty="0"/>
           </a:p>
@@ -1653,7 +1820,7 @@
                   <a:srgbClr val="FFFFFF"/>
                 </a:solidFill>
               </a:rPr>
-              <a:t>Harms aquatic life, pollutes drinking water, and disrupts ecosystems.</a:t>
+              <a:t>Climate change is accelerated by greenhouse gas emissions from pollution sources.</a:t>
             </a:r>
             <a:endParaRPr lang="en-US" sz="1800" dirty="0"/>
           </a:p>
@@ -1671,7 +1838,7 @@
                   <a:srgbClr val="FFFFFF"/>
                 </a:solidFill>
               </a:rPr>
-              <a:t>Effective wastewater treatment, responsible farming, and regulations are essential.</a:t>
+              <a:t>Acid rain damages forests, lakes, and soil, affecting plant and animal life.</a:t>
             </a:r>
             <a:endParaRPr lang="en-US" sz="1800" dirty="0"/>
           </a:p>
@@ -1679,7 +1846,7 @@
       </p:sp>
       <p:pic>
         <p:nvPicPr>
-          <p:cNvPr id="4" name="Image 0" descr="C:\Users\divya\OneDrive\Desktop\Presentify-project\backend\uploads\temp_1747290815310.jpeg">    </p:cNvPr>
+          <p:cNvPr id="4" name="Image 0" descr="C:\Users\divya\OneDrive\Desktop\Presentify-project\backend\uploads\temp_1747291199707.jpeg">    </p:cNvPr>
           <p:cNvPicPr>
             <a:picLocks noChangeAspect="1"/>
           </p:cNvPicPr>
@@ -1708,9 +1875,9 @@
 </p:sld>
 </file>
 
-<file path=ppt/slides/slide4.xml><?xml version="1.0" encoding="utf-8"?>
+<file path=ppt/slides/slide5.xml><?xml version="1.0" encoding="utf-8"?>
 <p:sld xmlns:a="http://schemas.openxmlformats.org/drawingml/2006/main" xmlns:r="http://schemas.openxmlformats.org/officeDocument/2006/relationships" xmlns:p="http://schemas.openxmlformats.org/presentationml/2006/main">
-  <p:cSld name="Slide 4">
+  <p:cSld name="Slide 5">
     <p:bg>
       <p:bgPr>
         <a:solidFill>
@@ -1762,7 +1929,7 @@
                   <a:srgbClr val="FFFFFF"/>
                 </a:solidFill>
               </a:rPr>
-              <a:t>Land Pollution: A Buried Problem</a:t>
+              <a:t>Solutions for a Cleaner Future</a:t>
             </a:r>
             <a:endParaRPr lang="en-US" sz="3200" dirty="0"/>
           </a:p>
@@ -1802,7 +1969,7 @@
                   <a:srgbClr val="FFFFFF"/>
                 </a:solidFill>
               </a:rPr>
-              <a:t>Causes include improper waste disposal, mining activities, and chemical spills.</a:t>
+              <a:t>Promote renewable energy sources to reduce reliance on fossil fuels.</a:t>
             </a:r>
             <a:endParaRPr lang="en-US" sz="1800" dirty="0"/>
           </a:p>
@@ -1820,7 +1987,7 @@
                   <a:srgbClr val="FFFFFF"/>
                 </a:solidFill>
               </a:rPr>
-              <a:t>Contaminates soil, pollutes groundwater, and harms plant and animal life.</a:t>
+              <a:t>Implement stricter environmental regulations and enforce pollution control measures.</a:t>
             </a:r>
             <a:endParaRPr lang="en-US" sz="1800" dirty="0"/>
           </a:p>
@@ -1838,7 +2005,25 @@
                   <a:srgbClr val="FFFFFF"/>
                 </a:solidFill>
               </a:rPr>
-              <a:t>Promote reduce, reuse, recycle, responsible waste management, and remediation efforts.</a:t>
+              <a:t>Encourage sustainable consumption and waste reduction practices.</a:t>
+            </a:r>
+            <a:endParaRPr lang="en-US" sz="1800" dirty="0"/>
+          </a:p>
+          <a:p>
+            <a:pPr marL="342900" indent="-342900">
+              <a:spcAft>
+                <a:spcPts val="1000"/>
+              </a:spcAft>
+              <a:buSzPct val="100000"/>
+              <a:buChar char="•"/>
+            </a:pPr>
+            <a:r>
+              <a:rPr lang="en-US" sz="1800" dirty="0">
+                <a:solidFill>
+                  <a:srgbClr val="FFFFFF"/>
+                </a:solidFill>
+              </a:rPr>
+              <a:t>Invest in research and development of innovative pollution-reduction technologies.</a:t>
             </a:r>
             <a:endParaRPr lang="en-US" sz="1800" dirty="0"/>
           </a:p>
@@ -1846,7 +2031,7 @@
       </p:sp>
       <p:pic>
         <p:nvPicPr>
-          <p:cNvPr id="4" name="Image 0" descr="C:\Users\divya\OneDrive\Desktop\Presentify-project\backend\uploads\temp_1747290815745.jpeg">    </p:cNvPr>
+          <p:cNvPr id="4" name="Image 0" descr="C:\Users\divya\OneDrive\Desktop\Presentify-project\backend\uploads\temp_1747291200148.jpeg">    </p:cNvPr>
           <p:cNvPicPr>
             <a:picLocks noChangeAspect="1"/>
           </p:cNvPicPr>
@@ -1860,173 +2045,6 @@
         <p:spPr>
           <a:xfrm>
             <a:off x="4572000" y="1285875"/>
-            <a:ext cx="3657600" cy="2571750"/>
-          </a:xfrm>
-          <a:prstGeom prst="rect">
-            <a:avLst/>
-          </a:prstGeom>
-        </p:spPr>
-      </p:pic>
-    </p:spTree>
-  </p:cSld>
-  <p:clrMapOvr>
-    <a:masterClrMapping/>
-  </p:clrMapOvr>
-</p:sld>
-</file>
-
-<file path=ppt/slides/slide5.xml><?xml version="1.0" encoding="utf-8"?>
-<p:sld xmlns:a="http://schemas.openxmlformats.org/drawingml/2006/main" xmlns:r="http://schemas.openxmlformats.org/officeDocument/2006/relationships" xmlns:p="http://schemas.openxmlformats.org/presentationml/2006/main">
-  <p:cSld name="Slide 5">
-    <p:bg>
-      <p:bgPr>
-        <a:solidFill>
-          <a:srgbClr val="000000"/>
-        </a:solidFill>
-      </p:bgPr>
-    </p:bg>
-    <p:spTree>
-      <p:nvGrpSpPr>
-        <p:cNvPr id="1" name=""/>
-        <p:cNvGrpSpPr/>
-        <p:nvPr/>
-      </p:nvGrpSpPr>
-      <p:grpSpPr>
-        <a:xfrm>
-          <a:off x="0" y="0"/>
-          <a:ext cx="0" cy="0"/>
-          <a:chOff x="0" y="0"/>
-          <a:chExt cx="0" cy="0"/>
-        </a:xfrm>
-      </p:grpSpPr>
-      <p:sp>
-        <p:nvSpPr>
-          <p:cNvPr id="2" name="Text 0"/>
-          <p:cNvSpPr/>
-          <p:nvPr/>
-        </p:nvSpPr>
-        <p:spPr>
-          <a:xfrm>
-            <a:off x="457200" y="257175"/>
-            <a:ext cx="8229600" cy="771525"/>
-          </a:xfrm>
-          <a:prstGeom prst="rect">
-            <a:avLst/>
-          </a:prstGeom>
-          <a:noFill/>
-          <a:ln/>
-        </p:spPr>
-        <p:txBody>
-          <a:bodyPr wrap="square" rtlCol="0" anchor="ctr"/>
-          <a:lstStyle/>
-          <a:p>
-            <a:pPr algn="l" indent="0" marL="0">
-              <a:buNone/>
-            </a:pPr>
-            <a:r>
-              <a:rPr lang="en-US" sz="3200" b="1" dirty="0">
-                <a:solidFill>
-                  <a:srgbClr val="FFFFFF"/>
-                </a:solidFill>
-              </a:rPr>
-              <a:t>Taking Action: Towards a Cleaner Future</a:t>
-            </a:r>
-            <a:endParaRPr lang="en-US" sz="3200" dirty="0"/>
-          </a:p>
-        </p:txBody>
-      </p:sp>
-      <p:sp>
-        <p:nvSpPr>
-          <p:cNvPr id="3" name="Text 1"/>
-          <p:cNvSpPr/>
-          <p:nvPr/>
-        </p:nvSpPr>
-        <p:spPr>
-          <a:xfrm>
-            <a:off x="4572000" y="1285875"/>
-            <a:ext cx="4114800" cy="3086100"/>
-          </a:xfrm>
-          <a:prstGeom prst="rect">
-            <a:avLst/>
-          </a:prstGeom>
-          <a:noFill/>
-          <a:ln/>
-        </p:spPr>
-        <p:txBody>
-          <a:bodyPr wrap="square" rtlCol="0" anchor="ctr"/>
-          <a:lstStyle/>
-          <a:p>
-            <a:pPr marL="342900" indent="-342900">
-              <a:spcAft>
-                <a:spcPts val="1000"/>
-              </a:spcAft>
-              <a:buSzPct val="100000"/>
-              <a:buChar char="•"/>
-            </a:pPr>
-            <a:r>
-              <a:rPr lang="en-US" sz="1800" dirty="0">
-                <a:solidFill>
-                  <a:srgbClr val="FFFFFF"/>
-                </a:solidFill>
-              </a:rPr>
-              <a:t>Support policies that promote sustainability and environmental protection.</a:t>
-            </a:r>
-            <a:endParaRPr lang="en-US" sz="1800" dirty="0"/>
-          </a:p>
-          <a:p>
-            <a:pPr marL="342900" indent="-342900">
-              <a:spcAft>
-                <a:spcPts val="1000"/>
-              </a:spcAft>
-              <a:buSzPct val="100000"/>
-              <a:buChar char="•"/>
-            </a:pPr>
-            <a:r>
-              <a:rPr lang="en-US" sz="1800" dirty="0">
-                <a:solidFill>
-                  <a:srgbClr val="FFFFFF"/>
-                </a:solidFill>
-              </a:rPr>
-              <a:t>Reduce your environmental footprint through conscious choices.</a:t>
-            </a:r>
-            <a:endParaRPr lang="en-US" sz="1800" dirty="0"/>
-          </a:p>
-          <a:p>
-            <a:pPr marL="342900" indent="-342900">
-              <a:spcAft>
-                <a:spcPts val="1000"/>
-              </a:spcAft>
-              <a:buSzPct val="100000"/>
-              <a:buChar char="•"/>
-            </a:pPr>
-            <a:r>
-              <a:rPr lang="en-US" sz="1800" dirty="0">
-                <a:solidFill>
-                  <a:srgbClr val="FFFFFF"/>
-                </a:solidFill>
-              </a:rPr>
-              <a:t>Educate others and advocate for change in your community.</a:t>
-            </a:r>
-            <a:endParaRPr lang="en-US" sz="1800" dirty="0"/>
-          </a:p>
-        </p:txBody>
-      </p:sp>
-      <p:pic>
-        <p:nvPicPr>
-          <p:cNvPr id="4" name="Image 0" descr="C:\Users\divya\OneDrive\Desktop\Presentify-project\backend\uploads\temp_1747290817284.jpeg">    </p:cNvPr>
-          <p:cNvPicPr>
-            <a:picLocks noChangeAspect="1"/>
-          </p:cNvPicPr>
-          <p:nvPr/>
-        </p:nvPicPr>
-        <p:blipFill>
-          <a:blip r:embed="rId1"/>
-          <a:srcRect l="0" r="0" t="0" b="0"/>
-          <a:stretch/>
-        </p:blipFill>
-        <p:spPr>
-          <a:xfrm>
-            <a:off x="457200" y="1285875"/>
             <a:ext cx="3657600" cy="2571750"/>
           </a:xfrm>
           <a:prstGeom prst="rect">
